--- a/doc/presentation/presentation_long.pptx
+++ b/doc/presentation/presentation_long.pptx
@@ -5,7 +5,7 @@
     <p:sldMasterId id="2147483648" r:id="rId1"/>
   </p:sldMasterIdLst>
   <p:notesMasterIdLst>
-    <p:notesMasterId r:id="rId16"/>
+    <p:notesMasterId r:id="rId20"/>
   </p:notesMasterIdLst>
   <p:sldIdLst>
     <p:sldId id="261" r:id="rId2"/>
@@ -20,8 +20,12 @@
     <p:sldId id="269" r:id="rId11"/>
     <p:sldId id="266" r:id="rId12"/>
     <p:sldId id="270" r:id="rId13"/>
-    <p:sldId id="267" r:id="rId14"/>
-    <p:sldId id="268" r:id="rId15"/>
+    <p:sldId id="271" r:id="rId14"/>
+    <p:sldId id="272" r:id="rId15"/>
+    <p:sldId id="267" r:id="rId16"/>
+    <p:sldId id="268" r:id="rId17"/>
+    <p:sldId id="274" r:id="rId18"/>
+    <p:sldId id="273" r:id="rId19"/>
   </p:sldIdLst>
   <p:sldSz cx="9144000" cy="6858000" type="screen4x3"/>
   <p:notesSz cx="6858000" cy="9144000"/>
@@ -634,7 +638,7 @@
           <a:p>
             <a:fld id="{A3E663A0-F9DD-A040-B3EC-3B902F173515}" type="slidenum">
               <a:rPr lang="en-US" smtClean="0"/>
-              <a:t>13</a:t>
+              <a:t>15</a:t>
             </a:fld>
             <a:endParaRPr lang="en-US"/>
           </a:p>
@@ -3806,9 +3810,7 @@
             <a:avLst/>
           </a:prstGeom>
           <a:solidFill>
-            <a:schemeClr val="tx1">
-              <a:alpha val="71000"/>
-            </a:schemeClr>
+            <a:schemeClr val="tx1"/>
           </a:solidFill>
           <a:ln>
             <a:noFill/>
@@ -3853,9 +3855,7 @@
             <a:avLst/>
           </a:prstGeom>
           <a:solidFill>
-            <a:schemeClr val="tx1">
-              <a:alpha val="71000"/>
-            </a:schemeClr>
+            <a:schemeClr val="tx1"/>
           </a:solidFill>
           <a:ln>
             <a:noFill/>
@@ -3900,9 +3900,7 @@
             <a:avLst/>
           </a:prstGeom>
           <a:solidFill>
-            <a:schemeClr val="tx1">
-              <a:alpha val="71000"/>
-            </a:schemeClr>
+            <a:schemeClr val="tx1"/>
           </a:solidFill>
           <a:ln>
             <a:noFill/>
@@ -3947,9 +3945,7 @@
             <a:avLst/>
           </a:prstGeom>
           <a:solidFill>
-            <a:schemeClr val="tx1">
-              <a:alpha val="71000"/>
-            </a:schemeClr>
+            <a:schemeClr val="tx1"/>
           </a:solidFill>
           <a:ln>
             <a:noFill/>
@@ -4072,9 +4068,7 @@
             <a:avLst/>
           </a:prstGeom>
           <a:solidFill>
-            <a:schemeClr val="tx1">
-              <a:alpha val="71000"/>
-            </a:schemeClr>
+            <a:schemeClr val="tx1"/>
           </a:solidFill>
           <a:ln>
             <a:noFill/>
@@ -4119,9 +4113,7 @@
             <a:avLst/>
           </a:prstGeom>
           <a:solidFill>
-            <a:schemeClr val="tx1">
-              <a:alpha val="71000"/>
-            </a:schemeClr>
+            <a:schemeClr val="tx1"/>
           </a:solidFill>
           <a:ln>
             <a:noFill/>
@@ -4346,53 +4338,6 @@
               <a:t>answer</a:t>
             </a:r>
             <a:endParaRPr lang="en-US" sz="3000" b="1" dirty="0"/>
-          </a:p>
-        </p:txBody>
-      </p:sp>
-      <p:sp>
-        <p:nvSpPr>
-          <p:cNvPr id="25" name="Left-Right Arrow 24"/>
-          <p:cNvSpPr/>
-          <p:nvPr/>
-        </p:nvSpPr>
-        <p:spPr>
-          <a:xfrm>
-            <a:off x="6107720" y="-287130"/>
-            <a:ext cx="2780096" cy="408608"/>
-          </a:xfrm>
-          <a:prstGeom prst="leftRightArrow">
-            <a:avLst/>
-          </a:prstGeom>
-          <a:solidFill>
-            <a:schemeClr val="tx1">
-              <a:alpha val="78000"/>
-            </a:schemeClr>
-          </a:solidFill>
-          <a:ln>
-            <a:noFill/>
-          </a:ln>
-          <a:effectLst/>
-        </p:spPr>
-        <p:style>
-          <a:lnRef idx="1">
-            <a:schemeClr val="accent1"/>
-          </a:lnRef>
-          <a:fillRef idx="3">
-            <a:schemeClr val="accent1"/>
-          </a:fillRef>
-          <a:effectRef idx="2">
-            <a:schemeClr val="accent1"/>
-          </a:effectRef>
-          <a:fontRef idx="minor">
-            <a:schemeClr val="lt1"/>
-          </a:fontRef>
-        </p:style>
-        <p:txBody>
-          <a:bodyPr rtlCol="0" anchor="ctr"/>
-          <a:lstStyle/>
-          <a:p>
-            <a:pPr algn="ctr"/>
-            <a:endParaRPr lang="en-US"/>
           </a:p>
         </p:txBody>
       </p:sp>
@@ -5347,51 +5292,6 @@
                       </p:childTnLst>
                     </p:cTn>
                   </p:par>
-                  <p:par>
-                    <p:cTn id="83" fill="hold">
-                      <p:stCondLst>
-                        <p:cond delay="indefinite"/>
-                      </p:stCondLst>
-                      <p:childTnLst>
-                        <p:par>
-                          <p:cTn id="84" fill="hold">
-                            <p:stCondLst>
-                              <p:cond delay="0"/>
-                            </p:stCondLst>
-                            <p:childTnLst>
-                              <p:par>
-                                <p:cTn id="85" presetID="1" presetClass="entr" presetSubtype="0" fill="hold" grpId="0" nodeType="clickEffect">
-                                  <p:stCondLst>
-                                    <p:cond delay="0"/>
-                                  </p:stCondLst>
-                                  <p:childTnLst>
-                                    <p:set>
-                                      <p:cBhvr>
-                                        <p:cTn id="86" dur="1" fill="hold">
-                                          <p:stCondLst>
-                                            <p:cond delay="0"/>
-                                          </p:stCondLst>
-                                        </p:cTn>
-                                        <p:tgtEl>
-                                          <p:spTgt spid="25"/>
-                                        </p:tgtEl>
-                                        <p:attrNameLst>
-                                          <p:attrName>style.visibility</p:attrName>
-                                        </p:attrNameLst>
-                                      </p:cBhvr>
-                                      <p:to>
-                                        <p:strVal val="visible"/>
-                                      </p:to>
-                                    </p:set>
-                                  </p:childTnLst>
-                                </p:cTn>
-                              </p:par>
-                            </p:childTnLst>
-                          </p:cTn>
-                        </p:par>
-                      </p:childTnLst>
-                    </p:cTn>
-                  </p:par>
                 </p:childTnLst>
               </p:cTn>
               <p:prevCondLst>
@@ -5435,7 +5335,6 @@
       <p:bldP spid="22" grpId="1"/>
       <p:bldP spid="23" grpId="0"/>
       <p:bldP spid="24" grpId="0"/>
-      <p:bldP spid="25" grpId="0" animBg="1"/>
     </p:bldLst>
   </p:timing>
 </p:sld>
@@ -5473,9 +5372,7 @@
             <a:avLst/>
           </a:prstGeom>
           <a:solidFill>
-            <a:schemeClr val="tx1">
-              <a:alpha val="71000"/>
-            </a:schemeClr>
+            <a:schemeClr val="tx1"/>
           </a:solidFill>
           <a:ln>
             <a:noFill/>
@@ -5520,9 +5417,7 @@
             <a:avLst/>
           </a:prstGeom>
           <a:solidFill>
-            <a:schemeClr val="tx1">
-              <a:alpha val="71000"/>
-            </a:schemeClr>
+            <a:schemeClr val="tx1"/>
           </a:solidFill>
           <a:ln>
             <a:noFill/>
@@ -5643,9 +5538,7 @@
             <a:avLst/>
           </a:prstGeom>
           <a:solidFill>
-            <a:schemeClr val="tx1">
-              <a:alpha val="71000"/>
-            </a:schemeClr>
+            <a:schemeClr val="tx1"/>
           </a:solidFill>
           <a:ln>
             <a:noFill/>
@@ -5803,9 +5696,7 @@
             <a:avLst/>
           </a:prstGeom>
           <a:solidFill>
-            <a:schemeClr val="tx1">
-              <a:alpha val="71000"/>
-            </a:schemeClr>
+            <a:schemeClr val="tx1"/>
           </a:solidFill>
           <a:ln>
             <a:noFill/>
@@ -6426,223 +6317,6 @@
       </p:grpSpPr>
       <p:sp>
         <p:nvSpPr>
-          <p:cNvPr id="7" name="Left Arrow 6"/>
-          <p:cNvSpPr/>
-          <p:nvPr/>
-        </p:nvSpPr>
-        <p:spPr>
-          <a:xfrm rot="20815117">
-            <a:off x="3093747" y="2804383"/>
-            <a:ext cx="2780096" cy="400468"/>
-          </a:xfrm>
-          <a:prstGeom prst="leftArrow">
-            <a:avLst/>
-          </a:prstGeom>
-          <a:solidFill>
-            <a:schemeClr val="tx1">
-              <a:alpha val="71000"/>
-            </a:schemeClr>
-          </a:solidFill>
-          <a:ln>
-            <a:noFill/>
-          </a:ln>
-          <a:effectLst/>
-        </p:spPr>
-        <p:style>
-          <a:lnRef idx="1">
-            <a:schemeClr val="accent1"/>
-          </a:lnRef>
-          <a:fillRef idx="3">
-            <a:schemeClr val="accent1"/>
-          </a:fillRef>
-          <a:effectRef idx="2">
-            <a:schemeClr val="accent1"/>
-          </a:effectRef>
-          <a:fontRef idx="minor">
-            <a:schemeClr val="lt1"/>
-          </a:fontRef>
-        </p:style>
-        <p:txBody>
-          <a:bodyPr rtlCol="0" anchor="ctr"/>
-          <a:lstStyle/>
-          <a:p>
-            <a:pPr algn="ctr"/>
-            <a:endParaRPr lang="en-US"/>
-          </a:p>
-        </p:txBody>
-      </p:sp>
-      <p:sp>
-        <p:nvSpPr>
-          <p:cNvPr id="10" name="Left Arrow 9"/>
-          <p:cNvSpPr/>
-          <p:nvPr/>
-        </p:nvSpPr>
-        <p:spPr>
-          <a:xfrm rot="779647">
-            <a:off x="3013254" y="4489305"/>
-            <a:ext cx="2780096" cy="400468"/>
-          </a:xfrm>
-          <a:prstGeom prst="leftArrow">
-            <a:avLst/>
-          </a:prstGeom>
-          <a:solidFill>
-            <a:schemeClr val="tx1">
-              <a:alpha val="71000"/>
-            </a:schemeClr>
-          </a:solidFill>
-          <a:ln>
-            <a:noFill/>
-          </a:ln>
-          <a:effectLst/>
-        </p:spPr>
-        <p:style>
-          <a:lnRef idx="1">
-            <a:schemeClr val="accent1"/>
-          </a:lnRef>
-          <a:fillRef idx="3">
-            <a:schemeClr val="accent1"/>
-          </a:fillRef>
-          <a:effectRef idx="2">
-            <a:schemeClr val="accent1"/>
-          </a:effectRef>
-          <a:fontRef idx="minor">
-            <a:schemeClr val="lt1"/>
-          </a:fontRef>
-        </p:style>
-        <p:txBody>
-          <a:bodyPr rtlCol="0" anchor="ctr"/>
-          <a:lstStyle/>
-          <a:p>
-            <a:pPr algn="ctr"/>
-            <a:endParaRPr lang="en-US"/>
-          </a:p>
-        </p:txBody>
-      </p:sp>
-      <p:sp>
-        <p:nvSpPr>
-          <p:cNvPr id="13" name="TextBox 12"/>
-          <p:cNvSpPr txBox="1"/>
-          <p:nvPr/>
-        </p:nvSpPr>
-        <p:spPr>
-          <a:xfrm>
-            <a:off x="2980518" y="4672332"/>
-            <a:ext cx="2491731" cy="1477328"/>
-          </a:xfrm>
-          <a:prstGeom prst="rect">
-            <a:avLst/>
-          </a:prstGeom>
-          <a:noFill/>
-        </p:spPr>
-        <p:txBody>
-          <a:bodyPr wrap="square" rtlCol="0">
-            <a:spAutoFit/>
-          </a:bodyPr>
-          <a:lstStyle/>
-          <a:p>
-            <a:pPr algn="ctr"/>
-            <a:r>
-              <a:rPr lang="en-US" sz="3000" b="1" dirty="0" smtClean="0"/>
-              <a:t>Data </a:t>
-            </a:r>
-          </a:p>
-          <a:p>
-            <a:pPr algn="ctr"/>
-            <a:r>
-              <a:rPr lang="en-US" sz="3000" b="1" dirty="0" smtClean="0"/>
-              <a:t>{hash, chunk, payload}</a:t>
-            </a:r>
-            <a:endParaRPr lang="en-US" sz="3000" b="1" dirty="0"/>
-          </a:p>
-        </p:txBody>
-      </p:sp>
-      <p:sp>
-        <p:nvSpPr>
-          <p:cNvPr id="14" name="TextBox 13"/>
-          <p:cNvSpPr txBox="1"/>
-          <p:nvPr/>
-        </p:nvSpPr>
-        <p:spPr>
-          <a:xfrm>
-            <a:off x="3138240" y="1362838"/>
-            <a:ext cx="2491731" cy="1477328"/>
-          </a:xfrm>
-          <a:prstGeom prst="rect">
-            <a:avLst/>
-          </a:prstGeom>
-          <a:noFill/>
-        </p:spPr>
-        <p:txBody>
-          <a:bodyPr wrap="square" rtlCol="0">
-            <a:spAutoFit/>
-          </a:bodyPr>
-          <a:lstStyle/>
-          <a:p>
-            <a:pPr algn="ctr"/>
-            <a:r>
-              <a:rPr lang="en-US" sz="3000" b="1" dirty="0" smtClean="0"/>
-              <a:t>Data </a:t>
-            </a:r>
-          </a:p>
-          <a:p>
-            <a:pPr algn="ctr"/>
-            <a:r>
-              <a:rPr lang="en-US" sz="3000" b="1" dirty="0" smtClean="0"/>
-              <a:t>{hash, chunk, payload}</a:t>
-            </a:r>
-            <a:endParaRPr lang="en-US" sz="3000" b="1" dirty="0"/>
-          </a:p>
-        </p:txBody>
-      </p:sp>
-      <p:sp>
-        <p:nvSpPr>
-          <p:cNvPr id="9" name="Left Arrow 8"/>
-          <p:cNvSpPr/>
-          <p:nvPr/>
-        </p:nvSpPr>
-        <p:spPr>
-          <a:xfrm rot="10014638">
-            <a:off x="3147471" y="2804566"/>
-            <a:ext cx="2780096" cy="400468"/>
-          </a:xfrm>
-          <a:prstGeom prst="leftArrow">
-            <a:avLst/>
-          </a:prstGeom>
-          <a:solidFill>
-            <a:schemeClr val="tx1">
-              <a:alpha val="71000"/>
-            </a:schemeClr>
-          </a:solidFill>
-          <a:ln>
-            <a:noFill/>
-          </a:ln>
-          <a:effectLst/>
-        </p:spPr>
-        <p:style>
-          <a:lnRef idx="1">
-            <a:schemeClr val="accent1"/>
-          </a:lnRef>
-          <a:fillRef idx="3">
-            <a:schemeClr val="accent1"/>
-          </a:fillRef>
-          <a:effectRef idx="2">
-            <a:schemeClr val="accent1"/>
-          </a:effectRef>
-          <a:fontRef idx="minor">
-            <a:schemeClr val="lt1"/>
-          </a:fontRef>
-        </p:style>
-        <p:txBody>
-          <a:bodyPr rtlCol="0" anchor="ctr"/>
-          <a:lstStyle/>
-          <a:p>
-            <a:pPr algn="ctr"/>
-            <a:endParaRPr lang="en-US"/>
-          </a:p>
-        </p:txBody>
-      </p:sp>
-      <p:sp>
-        <p:nvSpPr>
           <p:cNvPr id="2" name="Title 1"/>
           <p:cNvSpPr>
             <a:spLocks noGrp="1"/>
@@ -6690,7 +6364,7 @@
         </p:blipFill>
         <p:spPr>
           <a:xfrm>
-            <a:off x="1083740" y="3049983"/>
+            <a:off x="1536524" y="2840162"/>
             <a:ext cx="1909044" cy="1661643"/>
           </a:xfrm>
           <a:prstGeom prst="rect">
@@ -6700,14 +6374,14 @@
       </p:pic>
       <p:pic>
         <p:nvPicPr>
-          <p:cNvPr id="5" name="Picture 4" descr="20090606sa-apple-imac-desktop-computer.jpg"/>
+          <p:cNvPr id="15" name="Picture 14" descr="url.jpg"/>
           <p:cNvPicPr>
             <a:picLocks noChangeAspect="1"/>
           </p:cNvPicPr>
           <p:nvPr/>
         </p:nvPicPr>
         <p:blipFill>
-          <a:blip r:embed="rId2">
+          <a:blip r:embed="rId3">
             <a:extLst>
               <a:ext uri="{28A0092B-C50C-407E-A947-70E740481C1C}">
                 <a14:useLocalDpi xmlns:a14="http://schemas.microsoft.com/office/drawing/2010/main" val="0"/>
@@ -6720,62 +6394,30 @@
         </p:blipFill>
         <p:spPr>
           <a:xfrm>
-            <a:off x="6305092" y="1894464"/>
-            <a:ext cx="1909044" cy="1661643"/>
+            <a:off x="5965095" y="2588252"/>
+            <a:ext cx="1613367" cy="2088369"/>
           </a:xfrm>
           <a:prstGeom prst="rect">
             <a:avLst/>
           </a:prstGeom>
         </p:spPr>
       </p:pic>
-      <p:pic>
-        <p:nvPicPr>
-          <p:cNvPr id="6" name="Picture 5" descr="20090606sa-apple-imac-desktop-computer.jpg"/>
-          <p:cNvPicPr>
-            <a:picLocks noChangeAspect="1"/>
-          </p:cNvPicPr>
-          <p:nvPr/>
-        </p:nvPicPr>
-        <p:blipFill>
-          <a:blip r:embed="rId2">
-            <a:extLst>
-              <a:ext uri="{28A0092B-C50C-407E-A947-70E740481C1C}">
-                <a14:useLocalDpi xmlns:a14="http://schemas.microsoft.com/office/drawing/2010/main" val="0"/>
-              </a:ext>
-            </a:extLst>
-          </a:blip>
-          <a:stretch>
-            <a:fillRect/>
-          </a:stretch>
-        </p:blipFill>
-        <p:spPr>
-          <a:xfrm>
-            <a:off x="6305092" y="4386577"/>
-            <a:ext cx="1909044" cy="1661643"/>
-          </a:xfrm>
-          <a:prstGeom prst="rect">
-            <a:avLst/>
-          </a:prstGeom>
-        </p:spPr>
-      </p:pic>
-      <p:sp>
-        <p:nvSpPr>
-          <p:cNvPr id="8" name="Left Arrow 7"/>
+      <p:sp>
+        <p:nvSpPr>
+          <p:cNvPr id="16" name="Left Arrow 15"/>
           <p:cNvSpPr/>
           <p:nvPr/>
         </p:nvSpPr>
         <p:spPr>
-          <a:xfrm rot="11574687">
-            <a:off x="3094096" y="4511391"/>
-            <a:ext cx="2780096" cy="400468"/>
+          <a:xfrm rot="10800000">
+            <a:off x="3445567" y="3298322"/>
+            <a:ext cx="2519527" cy="400468"/>
           </a:xfrm>
           <a:prstGeom prst="leftArrow">
             <a:avLst/>
           </a:prstGeom>
           <a:solidFill>
-            <a:schemeClr val="tx1">
-              <a:alpha val="71000"/>
-            </a:schemeClr>
+            <a:schemeClr val="tx1"/>
           </a:solidFill>
           <a:ln>
             <a:noFill/>
@@ -6807,13 +6449,13 @@
       </p:sp>
       <p:sp>
         <p:nvSpPr>
-          <p:cNvPr id="11" name="TextBox 10"/>
+          <p:cNvPr id="17" name="TextBox 16"/>
           <p:cNvSpPr txBox="1"/>
           <p:nvPr/>
         </p:nvSpPr>
         <p:spPr>
           <a:xfrm>
-            <a:off x="3003827" y="1717772"/>
+            <a:off x="3313045" y="2391248"/>
             <a:ext cx="2798952" cy="1015663"/>
           </a:xfrm>
           <a:prstGeom prst="rect">
@@ -6830,45 +6472,14 @@
             <a:pPr algn="ctr"/>
             <a:r>
               <a:rPr lang="en-US" sz="3000" b="1" dirty="0" smtClean="0"/>
-              <a:t>Request</a:t>
+              <a:t>Advertise</a:t>
             </a:r>
           </a:p>
           <a:p>
             <a:pPr algn="ctr"/>
             <a:r>
               <a:rPr lang="en-US" sz="3000" b="1" dirty="0" smtClean="0"/>
-              <a:t>{hash, chunk}</a:t>
-            </a:r>
-            <a:endParaRPr lang="en-US" sz="3000" b="1" dirty="0"/>
-          </a:p>
-        </p:txBody>
-      </p:sp>
-      <p:sp>
-        <p:nvSpPr>
-          <p:cNvPr id="12" name="TextBox 11"/>
-          <p:cNvSpPr txBox="1"/>
-          <p:nvPr/>
-        </p:nvSpPr>
-        <p:spPr>
-          <a:xfrm>
-            <a:off x="3003827" y="4738590"/>
-            <a:ext cx="2491731" cy="1015663"/>
-          </a:xfrm>
-          <a:prstGeom prst="rect">
-            <a:avLst/>
-          </a:prstGeom>
-          <a:noFill/>
-        </p:spPr>
-        <p:txBody>
-          <a:bodyPr wrap="square" rtlCol="0">
-            <a:spAutoFit/>
-          </a:bodyPr>
-          <a:lstStyle/>
-          <a:p>
-            <a:pPr algn="ctr"/>
-            <a:r>
-              <a:rPr lang="en-US" sz="3000" b="1" dirty="0" smtClean="0"/>
-              <a:t>Request {hash, chunk}</a:t>
+              <a:t>{hash}</a:t>
             </a:r>
             <a:endParaRPr lang="en-US" sz="3000" b="1" dirty="0"/>
           </a:p>
@@ -6918,7 +6529,7 @@
                                           </p:stCondLst>
                                         </p:cTn>
                                         <p:tgtEl>
-                                          <p:spTgt spid="8"/>
+                                          <p:spTgt spid="16"/>
                                         </p:tgtEl>
                                         <p:attrNameLst>
                                           <p:attrName>style.visibility</p:attrName>
@@ -6932,42 +6543,7 @@
                                       <p:cBhvr>
                                         <p:cTn id="7" dur="500"/>
                                         <p:tgtEl>
-                                          <p:spTgt spid="8"/>
-                                        </p:tgtEl>
-                                      </p:cBhvr>
-                                    </p:animEffect>
-                                  </p:childTnLst>
-                                </p:cTn>
-                              </p:par>
-                              <p:par>
-                                <p:cTn id="8" presetID="22" presetClass="entr" presetSubtype="8" fill="hold" grpId="0" nodeType="withEffect">
-                                  <p:stCondLst>
-                                    <p:cond delay="0"/>
-                                  </p:stCondLst>
-                                  <p:childTnLst>
-                                    <p:set>
-                                      <p:cBhvr>
-                                        <p:cTn id="9" dur="1" fill="hold">
-                                          <p:stCondLst>
-                                            <p:cond delay="0"/>
-                                          </p:stCondLst>
-                                        </p:cTn>
-                                        <p:tgtEl>
-                                          <p:spTgt spid="9"/>
-                                        </p:tgtEl>
-                                        <p:attrNameLst>
-                                          <p:attrName>style.visibility</p:attrName>
-                                        </p:attrNameLst>
-                                      </p:cBhvr>
-                                      <p:to>
-                                        <p:strVal val="visible"/>
-                                      </p:to>
-                                    </p:set>
-                                    <p:animEffect transition="in" filter="wipe(left)">
-                                      <p:cBhvr>
-                                        <p:cTn id="10" dur="500"/>
-                                        <p:tgtEl>
-                                          <p:spTgt spid="9"/>
+                                          <p:spTgt spid="16"/>
                                         </p:tgtEl>
                                       </p:cBhvr>
                                     </p:animEffect>
@@ -6978,348 +6554,26 @@
                           </p:cTn>
                         </p:par>
                         <p:par>
-                          <p:cTn id="11" fill="hold">
+                          <p:cTn id="8" fill="hold">
                             <p:stCondLst>
                               <p:cond delay="500"/>
                             </p:stCondLst>
                             <p:childTnLst>
                               <p:par>
-                                <p:cTn id="12" presetID="1" presetClass="entr" presetSubtype="0" fill="hold" grpId="0" nodeType="afterEffect">
+                                <p:cTn id="9" presetID="1" presetClass="entr" presetSubtype="0" fill="hold" grpId="0" nodeType="afterEffect">
                                   <p:stCondLst>
                                     <p:cond delay="0"/>
                                   </p:stCondLst>
                                   <p:childTnLst>
                                     <p:set>
                                       <p:cBhvr>
-                                        <p:cTn id="13" dur="1" fill="hold">
+                                        <p:cTn id="10" dur="1" fill="hold">
                                           <p:stCondLst>
                                             <p:cond delay="0"/>
                                           </p:stCondLst>
                                         </p:cTn>
                                         <p:tgtEl>
-                                          <p:spTgt spid="11"/>
-                                        </p:tgtEl>
-                                        <p:attrNameLst>
-                                          <p:attrName>style.visibility</p:attrName>
-                                        </p:attrNameLst>
-                                      </p:cBhvr>
-                                      <p:to>
-                                        <p:strVal val="visible"/>
-                                      </p:to>
-                                    </p:set>
-                                  </p:childTnLst>
-                                </p:cTn>
-                              </p:par>
-                            </p:childTnLst>
-                          </p:cTn>
-                        </p:par>
-                        <p:par>
-                          <p:cTn id="14" fill="hold">
-                            <p:stCondLst>
-                              <p:cond delay="500"/>
-                            </p:stCondLst>
-                            <p:childTnLst>
-                              <p:par>
-                                <p:cTn id="15" presetID="1" presetClass="entr" presetSubtype="0" fill="hold" grpId="0" nodeType="afterEffect">
-                                  <p:stCondLst>
-                                    <p:cond delay="0"/>
-                                  </p:stCondLst>
-                                  <p:childTnLst>
-                                    <p:set>
-                                      <p:cBhvr>
-                                        <p:cTn id="16" dur="1" fill="hold">
-                                          <p:stCondLst>
-                                            <p:cond delay="0"/>
-                                          </p:stCondLst>
-                                        </p:cTn>
-                                        <p:tgtEl>
-                                          <p:spTgt spid="12"/>
-                                        </p:tgtEl>
-                                        <p:attrNameLst>
-                                          <p:attrName>style.visibility</p:attrName>
-                                        </p:attrNameLst>
-                                      </p:cBhvr>
-                                      <p:to>
-                                        <p:strVal val="visible"/>
-                                      </p:to>
-                                    </p:set>
-                                  </p:childTnLst>
-                                </p:cTn>
-                              </p:par>
-                            </p:childTnLst>
-                          </p:cTn>
-                        </p:par>
-                      </p:childTnLst>
-                    </p:cTn>
-                  </p:par>
-                  <p:par>
-                    <p:cTn id="17" fill="hold">
-                      <p:stCondLst>
-                        <p:cond delay="indefinite"/>
-                      </p:stCondLst>
-                      <p:childTnLst>
-                        <p:par>
-                          <p:cTn id="18" fill="hold">
-                            <p:stCondLst>
-                              <p:cond delay="0"/>
-                            </p:stCondLst>
-                            <p:childTnLst>
-                              <p:par>
-                                <p:cTn id="19" presetID="1" presetClass="exit" presetSubtype="0" fill="hold" grpId="1" nodeType="clickEffect">
-                                  <p:stCondLst>
-                                    <p:cond delay="0"/>
-                                  </p:stCondLst>
-                                  <p:childTnLst>
-                                    <p:set>
-                                      <p:cBhvr>
-                                        <p:cTn id="20" dur="1" fill="hold">
-                                          <p:stCondLst>
-                                            <p:cond delay="0"/>
-                                          </p:stCondLst>
-                                        </p:cTn>
-                                        <p:tgtEl>
-                                          <p:spTgt spid="8"/>
-                                        </p:tgtEl>
-                                        <p:attrNameLst>
-                                          <p:attrName>style.visibility</p:attrName>
-                                        </p:attrNameLst>
-                                      </p:cBhvr>
-                                      <p:to>
-                                        <p:strVal val="hidden"/>
-                                      </p:to>
-                                    </p:set>
-                                  </p:childTnLst>
-                                </p:cTn>
-                              </p:par>
-                              <p:par>
-                                <p:cTn id="21" presetID="1" presetClass="exit" presetSubtype="0" fill="hold" grpId="1" nodeType="withEffect">
-                                  <p:stCondLst>
-                                    <p:cond delay="0"/>
-                                  </p:stCondLst>
-                                  <p:childTnLst>
-                                    <p:set>
-                                      <p:cBhvr>
-                                        <p:cTn id="22" dur="1" fill="hold">
-                                          <p:stCondLst>
-                                            <p:cond delay="0"/>
-                                          </p:stCondLst>
-                                        </p:cTn>
-                                        <p:tgtEl>
-                                          <p:spTgt spid="12"/>
-                                        </p:tgtEl>
-                                        <p:attrNameLst>
-                                          <p:attrName>style.visibility</p:attrName>
-                                        </p:attrNameLst>
-                                      </p:cBhvr>
-                                      <p:to>
-                                        <p:strVal val="hidden"/>
-                                      </p:to>
-                                    </p:set>
-                                  </p:childTnLst>
-                                </p:cTn>
-                              </p:par>
-                              <p:par>
-                                <p:cTn id="23" presetID="1" presetClass="exit" presetSubtype="0" fill="hold" grpId="1" nodeType="withEffect">
-                                  <p:stCondLst>
-                                    <p:cond delay="0"/>
-                                  </p:stCondLst>
-                                  <p:childTnLst>
-                                    <p:set>
-                                      <p:cBhvr>
-                                        <p:cTn id="24" dur="1" fill="hold">
-                                          <p:stCondLst>
-                                            <p:cond delay="0"/>
-                                          </p:stCondLst>
-                                        </p:cTn>
-                                        <p:tgtEl>
-                                          <p:spTgt spid="11"/>
-                                        </p:tgtEl>
-                                        <p:attrNameLst>
-                                          <p:attrName>style.visibility</p:attrName>
-                                        </p:attrNameLst>
-                                      </p:cBhvr>
-                                      <p:to>
-                                        <p:strVal val="hidden"/>
-                                      </p:to>
-                                    </p:set>
-                                  </p:childTnLst>
-                                </p:cTn>
-                              </p:par>
-                              <p:par>
-                                <p:cTn id="25" presetID="1" presetClass="exit" presetSubtype="0" fill="hold" grpId="1" nodeType="withEffect">
-                                  <p:stCondLst>
-                                    <p:cond delay="0"/>
-                                  </p:stCondLst>
-                                  <p:childTnLst>
-                                    <p:set>
-                                      <p:cBhvr>
-                                        <p:cTn id="26" dur="1" fill="hold">
-                                          <p:stCondLst>
-                                            <p:cond delay="0"/>
-                                          </p:stCondLst>
-                                        </p:cTn>
-                                        <p:tgtEl>
-                                          <p:spTgt spid="9"/>
-                                        </p:tgtEl>
-                                        <p:attrNameLst>
-                                          <p:attrName>style.visibility</p:attrName>
-                                        </p:attrNameLst>
-                                      </p:cBhvr>
-                                      <p:to>
-                                        <p:strVal val="hidden"/>
-                                      </p:to>
-                                    </p:set>
-                                  </p:childTnLst>
-                                </p:cTn>
-                              </p:par>
-                            </p:childTnLst>
-                          </p:cTn>
-                        </p:par>
-                      </p:childTnLst>
-                    </p:cTn>
-                  </p:par>
-                  <p:par>
-                    <p:cTn id="27" fill="hold">
-                      <p:stCondLst>
-                        <p:cond delay="indefinite"/>
-                      </p:stCondLst>
-                      <p:childTnLst>
-                        <p:par>
-                          <p:cTn id="28" fill="hold">
-                            <p:stCondLst>
-                              <p:cond delay="0"/>
-                            </p:stCondLst>
-                            <p:childTnLst>
-                              <p:par>
-                                <p:cTn id="29" presetID="22" presetClass="entr" presetSubtype="2" fill="hold" grpId="0" nodeType="clickEffect">
-                                  <p:stCondLst>
-                                    <p:cond delay="0"/>
-                                  </p:stCondLst>
-                                  <p:childTnLst>
-                                    <p:set>
-                                      <p:cBhvr>
-                                        <p:cTn id="30" dur="1" fill="hold">
-                                          <p:stCondLst>
-                                            <p:cond delay="0"/>
-                                          </p:stCondLst>
-                                        </p:cTn>
-                                        <p:tgtEl>
-                                          <p:spTgt spid="10"/>
-                                        </p:tgtEl>
-                                        <p:attrNameLst>
-                                          <p:attrName>style.visibility</p:attrName>
-                                        </p:attrNameLst>
-                                      </p:cBhvr>
-                                      <p:to>
-                                        <p:strVal val="visible"/>
-                                      </p:to>
-                                    </p:set>
-                                    <p:animEffect transition="in" filter="wipe(right)">
-                                      <p:cBhvr>
-                                        <p:cTn id="31" dur="500"/>
-                                        <p:tgtEl>
-                                          <p:spTgt spid="10"/>
-                                        </p:tgtEl>
-                                      </p:cBhvr>
-                                    </p:animEffect>
-                                  </p:childTnLst>
-                                </p:cTn>
-                              </p:par>
-                              <p:par>
-                                <p:cTn id="32" presetID="22" presetClass="entr" presetSubtype="2" fill="hold" grpId="0" nodeType="withEffect">
-                                  <p:stCondLst>
-                                    <p:cond delay="0"/>
-                                  </p:stCondLst>
-                                  <p:childTnLst>
-                                    <p:set>
-                                      <p:cBhvr>
-                                        <p:cTn id="33" dur="1" fill="hold">
-                                          <p:stCondLst>
-                                            <p:cond delay="0"/>
-                                          </p:stCondLst>
-                                        </p:cTn>
-                                        <p:tgtEl>
-                                          <p:spTgt spid="7"/>
-                                        </p:tgtEl>
-                                        <p:attrNameLst>
-                                          <p:attrName>style.visibility</p:attrName>
-                                        </p:attrNameLst>
-                                      </p:cBhvr>
-                                      <p:to>
-                                        <p:strVal val="visible"/>
-                                      </p:to>
-                                    </p:set>
-                                    <p:animEffect transition="in" filter="wipe(right)">
-                                      <p:cBhvr>
-                                        <p:cTn id="34" dur="500"/>
-                                        <p:tgtEl>
-                                          <p:spTgt spid="7"/>
-                                        </p:tgtEl>
-                                      </p:cBhvr>
-                                    </p:animEffect>
-                                  </p:childTnLst>
-                                </p:cTn>
-                              </p:par>
-                            </p:childTnLst>
-                          </p:cTn>
-                        </p:par>
-                        <p:par>
-                          <p:cTn id="35" fill="hold">
-                            <p:stCondLst>
-                              <p:cond delay="500"/>
-                            </p:stCondLst>
-                            <p:childTnLst>
-                              <p:par>
-                                <p:cTn id="36" presetID="1" presetClass="entr" presetSubtype="0" fill="hold" grpId="0" nodeType="afterEffect">
-                                  <p:stCondLst>
-                                    <p:cond delay="0"/>
-                                  </p:stCondLst>
-                                  <p:childTnLst>
-                                    <p:set>
-                                      <p:cBhvr>
-                                        <p:cTn id="37" dur="1" fill="hold">
-                                          <p:stCondLst>
-                                            <p:cond delay="0"/>
-                                          </p:stCondLst>
-                                        </p:cTn>
-                                        <p:tgtEl>
-                                          <p:spTgt spid="14"/>
-                                        </p:tgtEl>
-                                        <p:attrNameLst>
-                                          <p:attrName>style.visibility</p:attrName>
-                                        </p:attrNameLst>
-                                      </p:cBhvr>
-                                      <p:to>
-                                        <p:strVal val="visible"/>
-                                      </p:to>
-                                    </p:set>
-                                  </p:childTnLst>
-                                </p:cTn>
-                              </p:par>
-                            </p:childTnLst>
-                          </p:cTn>
-                        </p:par>
-                        <p:par>
-                          <p:cTn id="38" fill="hold">
-                            <p:stCondLst>
-                              <p:cond delay="500"/>
-                            </p:stCondLst>
-                            <p:childTnLst>
-                              <p:par>
-                                <p:cTn id="39" presetID="1" presetClass="entr" presetSubtype="0" fill="hold" grpId="0" nodeType="afterEffect">
-                                  <p:stCondLst>
-                                    <p:cond delay="0"/>
-                                  </p:stCondLst>
-                                  <p:childTnLst>
-                                    <p:set>
-                                      <p:cBhvr>
-                                        <p:cTn id="40" dur="1" fill="hold">
-                                          <p:stCondLst>
-                                            <p:cond delay="0"/>
-                                          </p:stCondLst>
-                                        </p:cTn>
-                                        <p:tgtEl>
-                                          <p:spTgt spid="13"/>
+                                          <p:spTgt spid="17"/>
                                         </p:tgtEl>
                                         <p:attrNameLst>
                                           <p:attrName>style.visibility</p:attrName>
@@ -7360,24 +6614,931 @@
       </p:par>
     </p:tnLst>
     <p:bldLst>
-      <p:bldP spid="7" grpId="0" animBg="1"/>
-      <p:bldP spid="10" grpId="0" animBg="1"/>
-      <p:bldP spid="13" grpId="0"/>
-      <p:bldP spid="14" grpId="0"/>
-      <p:bldP spid="9" grpId="0" animBg="1"/>
-      <p:bldP spid="9" grpId="1" animBg="1"/>
-      <p:bldP spid="8" grpId="0" animBg="1"/>
-      <p:bldP spid="8" grpId="1" animBg="1"/>
-      <p:bldP spid="11" grpId="0"/>
-      <p:bldP spid="11" grpId="1"/>
-      <p:bldP spid="12" grpId="0"/>
-      <p:bldP spid="12" grpId="1"/>
+      <p:bldP spid="16" grpId="0" animBg="1"/>
+      <p:bldP spid="17" grpId="0"/>
     </p:bldLst>
   </p:timing>
 </p:sld>
 </file>
 
 <file path=ppt/slides/slide13.xml><?xml version="1.0" encoding="utf-8"?>
+<p:sld xmlns:a="http://schemas.openxmlformats.org/drawingml/2006/main" xmlns:r="http://schemas.openxmlformats.org/officeDocument/2006/relationships" xmlns:p="http://schemas.openxmlformats.org/presentationml/2006/main">
+  <p:cSld>
+    <p:spTree>
+      <p:nvGrpSpPr>
+        <p:cNvPr id="1" name=""/>
+        <p:cNvGrpSpPr/>
+        <p:nvPr/>
+      </p:nvGrpSpPr>
+      <p:grpSpPr>
+        <a:xfrm>
+          <a:off x="0" y="0"/>
+          <a:ext cx="0" cy="0"/>
+          <a:chOff x="0" y="0"/>
+          <a:chExt cx="0" cy="0"/>
+        </a:xfrm>
+      </p:grpSpPr>
+      <p:sp>
+        <p:nvSpPr>
+          <p:cNvPr id="6" name="TextBox 5"/>
+          <p:cNvSpPr txBox="1"/>
+          <p:nvPr/>
+        </p:nvSpPr>
+        <p:spPr>
+          <a:xfrm>
+            <a:off x="1238697" y="2173781"/>
+            <a:ext cx="6679478" cy="3188052"/>
+          </a:xfrm>
+          <a:prstGeom prst="rect">
+            <a:avLst/>
+          </a:prstGeom>
+          <a:noFill/>
+        </p:spPr>
+        <p:txBody>
+          <a:bodyPr wrap="square" rtlCol="0">
+            <a:spAutoFit/>
+          </a:bodyPr>
+          <a:lstStyle/>
+          <a:p>
+            <a:pPr marL="742950" indent="-742950">
+              <a:lnSpc>
+                <a:spcPct val="150000"/>
+              </a:lnSpc>
+              <a:buFont typeface="+mj-lt"/>
+              <a:buAutoNum type="arabicPeriod"/>
+            </a:pPr>
+            <a:r>
+              <a:rPr lang="en-US" sz="3400" dirty="0" smtClean="0"/>
+              <a:t>Determine who has the resource</a:t>
+            </a:r>
+          </a:p>
+          <a:p>
+            <a:pPr marL="742950" indent="-742950">
+              <a:lnSpc>
+                <a:spcPct val="150000"/>
+              </a:lnSpc>
+              <a:buFont typeface="+mj-lt"/>
+              <a:buAutoNum type="arabicPeriod"/>
+            </a:pPr>
+            <a:r>
+              <a:rPr lang="en-US" sz="3400" dirty="0" smtClean="0"/>
+              <a:t>Open connection with peers</a:t>
+            </a:r>
+          </a:p>
+          <a:p>
+            <a:pPr marL="742950" indent="-742950">
+              <a:lnSpc>
+                <a:spcPct val="150000"/>
+              </a:lnSpc>
+              <a:buFont typeface="+mj-lt"/>
+              <a:buAutoNum type="arabicPeriod"/>
+            </a:pPr>
+            <a:r>
+              <a:rPr lang="en-US" sz="3400" dirty="0" smtClean="0"/>
+              <a:t>Request resource from peers</a:t>
+            </a:r>
+          </a:p>
+          <a:p>
+            <a:pPr marL="742950" indent="-742950">
+              <a:lnSpc>
+                <a:spcPct val="150000"/>
+              </a:lnSpc>
+              <a:buFont typeface="+mj-lt"/>
+              <a:buAutoNum type="arabicPeriod"/>
+            </a:pPr>
+            <a:r>
+              <a:rPr lang="en-US" sz="3400" dirty="0" smtClean="0"/>
+              <a:t>Advertise resource</a:t>
+            </a:r>
+            <a:endParaRPr lang="en-US" sz="3400" dirty="0"/>
+          </a:p>
+        </p:txBody>
+      </p:sp>
+      <p:sp>
+        <p:nvSpPr>
+          <p:cNvPr id="7" name="Title 1"/>
+          <p:cNvSpPr txBox="1">
+            <a:spLocks/>
+          </p:cNvSpPr>
+          <p:nvPr/>
+        </p:nvSpPr>
+        <p:spPr>
+          <a:xfrm>
+            <a:off x="685800" y="1299414"/>
+            <a:ext cx="7772400" cy="895488"/>
+          </a:xfrm>
+          <a:prstGeom prst="rect">
+            <a:avLst/>
+          </a:prstGeom>
+        </p:spPr>
+        <p:txBody>
+          <a:bodyPr/>
+          <a:lstStyle>
+            <a:lvl1pPr algn="ctr" defTabSz="457200" rtl="0" eaLnBrk="1" latinLnBrk="0" hangingPunct="1">
+              <a:spcBef>
+                <a:spcPct val="0"/>
+              </a:spcBef>
+              <a:buNone/>
+              <a:defRPr sz="4400" kern="1200">
+                <a:solidFill>
+                  <a:schemeClr val="tx1"/>
+                </a:solidFill>
+                <a:latin typeface="+mj-lt"/>
+                <a:ea typeface="+mj-ea"/>
+                <a:cs typeface="+mj-cs"/>
+              </a:defRPr>
+            </a:lvl1pPr>
+          </a:lstStyle>
+          <a:p>
+            <a:r>
+              <a:rPr lang="en-US" b="1" dirty="0" smtClean="0"/>
+              <a:t>Four Steps</a:t>
+            </a:r>
+            <a:endParaRPr lang="en-US" b="1" dirty="0"/>
+          </a:p>
+        </p:txBody>
+      </p:sp>
+    </p:spTree>
+    <p:extLst>
+      <p:ext uri="{BB962C8B-B14F-4D97-AF65-F5344CB8AC3E}">
+        <p14:creationId xmlns:p14="http://schemas.microsoft.com/office/powerpoint/2010/main" val="4200765710"/>
+      </p:ext>
+    </p:extLst>
+  </p:cSld>
+  <p:clrMapOvr>
+    <a:masterClrMapping/>
+  </p:clrMapOvr>
+  <p:timing>
+    <p:tnLst>
+      <p:par>
+        <p:cTn xmlns:p14="http://schemas.microsoft.com/office/powerpoint/2010/main" id="1" dur="indefinite" restart="never" nodeType="tmRoot"/>
+      </p:par>
+    </p:tnLst>
+  </p:timing>
+</p:sld>
+</file>
+
+<file path=ppt/slides/slide14.xml><?xml version="1.0" encoding="utf-8"?>
+<p:sld xmlns:a="http://schemas.openxmlformats.org/drawingml/2006/main" xmlns:r="http://schemas.openxmlformats.org/officeDocument/2006/relationships" xmlns:p="http://schemas.openxmlformats.org/presentationml/2006/main">
+  <p:cSld>
+    <p:spTree>
+      <p:nvGrpSpPr>
+        <p:cNvPr id="1" name=""/>
+        <p:cNvGrpSpPr/>
+        <p:nvPr/>
+      </p:nvGrpSpPr>
+      <p:grpSpPr>
+        <a:xfrm>
+          <a:off x="0" y="0"/>
+          <a:ext cx="0" cy="0"/>
+          <a:chOff x="0" y="0"/>
+          <a:chExt cx="0" cy="0"/>
+        </a:xfrm>
+      </p:grpSpPr>
+      <p:sp>
+        <p:nvSpPr>
+          <p:cNvPr id="2" name="Title 1"/>
+          <p:cNvSpPr txBox="1">
+            <a:spLocks/>
+          </p:cNvSpPr>
+          <p:nvPr/>
+        </p:nvSpPr>
+        <p:spPr>
+          <a:xfrm>
+            <a:off x="457200" y="506551"/>
+            <a:ext cx="8229600" cy="1143000"/>
+          </a:xfrm>
+          <a:prstGeom prst="rect">
+            <a:avLst/>
+          </a:prstGeom>
+        </p:spPr>
+        <p:txBody>
+          <a:bodyPr/>
+          <a:lstStyle>
+            <a:lvl1pPr algn="ctr" defTabSz="457200" rtl="0" eaLnBrk="1" latinLnBrk="0" hangingPunct="1">
+              <a:spcBef>
+                <a:spcPct val="0"/>
+              </a:spcBef>
+              <a:buNone/>
+              <a:defRPr sz="4400" kern="1200">
+                <a:solidFill>
+                  <a:schemeClr val="tx1"/>
+                </a:solidFill>
+                <a:latin typeface="+mj-lt"/>
+                <a:ea typeface="+mj-ea"/>
+                <a:cs typeface="+mj-cs"/>
+              </a:defRPr>
+            </a:lvl1pPr>
+          </a:lstStyle>
+          <a:p>
+            <a:r>
+              <a:rPr lang="en-US" b="1" dirty="0" smtClean="0"/>
+              <a:t>Implementation</a:t>
+            </a:r>
+            <a:endParaRPr lang="en-US" b="1" dirty="0"/>
+          </a:p>
+        </p:txBody>
+      </p:sp>
+      <p:sp>
+        <p:nvSpPr>
+          <p:cNvPr id="3" name="TextBox 2"/>
+          <p:cNvSpPr txBox="1"/>
+          <p:nvPr/>
+        </p:nvSpPr>
+        <p:spPr>
+          <a:xfrm>
+            <a:off x="3721642" y="1789058"/>
+            <a:ext cx="2175565" cy="1015663"/>
+          </a:xfrm>
+          <a:prstGeom prst="rect">
+            <a:avLst/>
+          </a:prstGeom>
+          <a:noFill/>
+          <a:ln w="28575" cmpd="sng">
+            <a:solidFill>
+              <a:schemeClr val="tx1"/>
+            </a:solidFill>
+          </a:ln>
+        </p:spPr>
+        <p:txBody>
+          <a:bodyPr wrap="square" rtlCol="0">
+            <a:spAutoFit/>
+          </a:bodyPr>
+          <a:lstStyle/>
+          <a:p>
+            <a:pPr algn="ctr"/>
+            <a:r>
+              <a:rPr lang="en-US" sz="3000" b="1" dirty="0" smtClean="0"/>
+              <a:t>Download Manager</a:t>
+            </a:r>
+            <a:endParaRPr lang="en-US" sz="3000" b="1" dirty="0"/>
+          </a:p>
+        </p:txBody>
+      </p:sp>
+      <p:sp>
+        <p:nvSpPr>
+          <p:cNvPr id="4" name="TextBox 3"/>
+          <p:cNvSpPr txBox="1"/>
+          <p:nvPr/>
+        </p:nvSpPr>
+        <p:spPr>
+          <a:xfrm>
+            <a:off x="3721642" y="5091059"/>
+            <a:ext cx="2175565" cy="1015663"/>
+          </a:xfrm>
+          <a:prstGeom prst="rect">
+            <a:avLst/>
+          </a:prstGeom>
+          <a:noFill/>
+          <a:ln w="28575" cmpd="sng">
+            <a:solidFill>
+              <a:schemeClr val="tx1"/>
+            </a:solidFill>
+          </a:ln>
+        </p:spPr>
+        <p:txBody>
+          <a:bodyPr wrap="square" rtlCol="0">
+            <a:spAutoFit/>
+          </a:bodyPr>
+          <a:lstStyle/>
+          <a:p>
+            <a:pPr algn="ctr"/>
+            <a:r>
+              <a:rPr lang="en-US" sz="3000" b="1" dirty="0" smtClean="0"/>
+              <a:t>Connection Manager</a:t>
+            </a:r>
+            <a:endParaRPr lang="en-US" sz="3000" b="1" dirty="0"/>
+          </a:p>
+        </p:txBody>
+      </p:sp>
+      <p:sp>
+        <p:nvSpPr>
+          <p:cNvPr id="5" name="TextBox 4"/>
+          <p:cNvSpPr txBox="1"/>
+          <p:nvPr/>
+        </p:nvSpPr>
+        <p:spPr>
+          <a:xfrm>
+            <a:off x="960770" y="3081724"/>
+            <a:ext cx="2031116" cy="1477328"/>
+          </a:xfrm>
+          <a:prstGeom prst="rect">
+            <a:avLst/>
+          </a:prstGeom>
+          <a:noFill/>
+          <a:ln w="28575" cmpd="sng">
+            <a:solidFill>
+              <a:schemeClr val="tx1"/>
+            </a:solidFill>
+          </a:ln>
+        </p:spPr>
+        <p:txBody>
+          <a:bodyPr wrap="square" rtlCol="0">
+            <a:spAutoFit/>
+          </a:bodyPr>
+          <a:lstStyle/>
+          <a:p>
+            <a:pPr algn="ctr"/>
+            <a:r>
+              <a:rPr lang="en-US" sz="3000" b="1" dirty="0" smtClean="0"/>
+              <a:t>Tracker &amp; Signaling Channel</a:t>
+            </a:r>
+            <a:endParaRPr lang="en-US" sz="3000" b="1" dirty="0"/>
+          </a:p>
+        </p:txBody>
+      </p:sp>
+      <p:sp>
+        <p:nvSpPr>
+          <p:cNvPr id="6" name="TextBox 5"/>
+          <p:cNvSpPr txBox="1"/>
+          <p:nvPr/>
+        </p:nvSpPr>
+        <p:spPr>
+          <a:xfrm>
+            <a:off x="6559817" y="3182326"/>
+            <a:ext cx="1590262" cy="1477328"/>
+          </a:xfrm>
+          <a:prstGeom prst="rect">
+            <a:avLst/>
+          </a:prstGeom>
+          <a:noFill/>
+          <a:ln w="28575" cmpd="sng">
+            <a:solidFill>
+              <a:schemeClr val="tx1"/>
+            </a:solidFill>
+          </a:ln>
+        </p:spPr>
+        <p:txBody>
+          <a:bodyPr wrap="square" rtlCol="0">
+            <a:spAutoFit/>
+          </a:bodyPr>
+          <a:lstStyle/>
+          <a:p>
+            <a:pPr algn="ctr"/>
+            <a:r>
+              <a:rPr lang="en-US" sz="3000" b="1" dirty="0" smtClean="0"/>
+              <a:t>DOM injection</a:t>
+            </a:r>
+          </a:p>
+          <a:p>
+            <a:pPr algn="ctr"/>
+            <a:r>
+              <a:rPr lang="en-US" sz="3000" b="1" dirty="0" smtClean="0"/>
+              <a:t>code</a:t>
+            </a:r>
+            <a:endParaRPr lang="en-US" sz="3000" b="1" dirty="0"/>
+          </a:p>
+        </p:txBody>
+      </p:sp>
+      <p:sp>
+        <p:nvSpPr>
+          <p:cNvPr id="11" name="Left-Right Arrow 10"/>
+          <p:cNvSpPr/>
+          <p:nvPr/>
+        </p:nvSpPr>
+        <p:spPr>
+          <a:xfrm rot="19760030">
+            <a:off x="2899543" y="2641335"/>
+            <a:ext cx="833775" cy="353050"/>
+          </a:xfrm>
+          <a:prstGeom prst="leftRightArrow">
+            <a:avLst/>
+          </a:prstGeom>
+          <a:solidFill>
+            <a:schemeClr val="tx1"/>
+          </a:solidFill>
+          <a:ln>
+            <a:noFill/>
+          </a:ln>
+          <a:effectLst/>
+        </p:spPr>
+        <p:style>
+          <a:lnRef idx="1">
+            <a:schemeClr val="accent1"/>
+          </a:lnRef>
+          <a:fillRef idx="3">
+            <a:schemeClr val="accent1"/>
+          </a:fillRef>
+          <a:effectRef idx="2">
+            <a:schemeClr val="accent1"/>
+          </a:effectRef>
+          <a:fontRef idx="minor">
+            <a:schemeClr val="lt1"/>
+          </a:fontRef>
+        </p:style>
+        <p:txBody>
+          <a:bodyPr rtlCol="0" anchor="ctr"/>
+          <a:lstStyle/>
+          <a:p>
+            <a:pPr algn="ctr"/>
+            <a:endParaRPr lang="en-US"/>
+          </a:p>
+        </p:txBody>
+      </p:sp>
+      <p:sp>
+        <p:nvSpPr>
+          <p:cNvPr id="12" name="Left-Right Arrow 11"/>
+          <p:cNvSpPr/>
+          <p:nvPr/>
+        </p:nvSpPr>
+        <p:spPr>
+          <a:xfrm rot="2211399">
+            <a:off x="2930801" y="4654501"/>
+            <a:ext cx="833775" cy="353050"/>
+          </a:xfrm>
+          <a:prstGeom prst="leftRightArrow">
+            <a:avLst/>
+          </a:prstGeom>
+          <a:solidFill>
+            <a:schemeClr val="tx1"/>
+          </a:solidFill>
+          <a:ln>
+            <a:noFill/>
+          </a:ln>
+          <a:effectLst/>
+        </p:spPr>
+        <p:style>
+          <a:lnRef idx="1">
+            <a:schemeClr val="accent1"/>
+          </a:lnRef>
+          <a:fillRef idx="3">
+            <a:schemeClr val="accent1"/>
+          </a:fillRef>
+          <a:effectRef idx="2">
+            <a:schemeClr val="accent1"/>
+          </a:effectRef>
+          <a:fontRef idx="minor">
+            <a:schemeClr val="lt1"/>
+          </a:fontRef>
+        </p:style>
+        <p:txBody>
+          <a:bodyPr rtlCol="0" anchor="ctr"/>
+          <a:lstStyle/>
+          <a:p>
+            <a:pPr algn="ctr"/>
+            <a:endParaRPr lang="en-US"/>
+          </a:p>
+        </p:txBody>
+      </p:sp>
+      <p:sp>
+        <p:nvSpPr>
+          <p:cNvPr id="13" name="Left-Right Arrow 12"/>
+          <p:cNvSpPr/>
+          <p:nvPr/>
+        </p:nvSpPr>
+        <p:spPr>
+          <a:xfrm rot="12646126">
+            <a:off x="5871213" y="2804175"/>
+            <a:ext cx="711015" cy="353050"/>
+          </a:xfrm>
+          <a:prstGeom prst="leftRightArrow">
+            <a:avLst/>
+          </a:prstGeom>
+          <a:solidFill>
+            <a:schemeClr val="tx1"/>
+          </a:solidFill>
+          <a:ln>
+            <a:noFill/>
+          </a:ln>
+          <a:effectLst/>
+        </p:spPr>
+        <p:style>
+          <a:lnRef idx="1">
+            <a:schemeClr val="accent1"/>
+          </a:lnRef>
+          <a:fillRef idx="3">
+            <a:schemeClr val="accent1"/>
+          </a:fillRef>
+          <a:effectRef idx="2">
+            <a:schemeClr val="accent1"/>
+          </a:effectRef>
+          <a:fontRef idx="minor">
+            <a:schemeClr val="lt1"/>
+          </a:fontRef>
+        </p:style>
+        <p:txBody>
+          <a:bodyPr rtlCol="0" anchor="ctr"/>
+          <a:lstStyle/>
+          <a:p>
+            <a:pPr algn="ctr"/>
+            <a:endParaRPr lang="en-US"/>
+          </a:p>
+        </p:txBody>
+      </p:sp>
+      <p:sp>
+        <p:nvSpPr>
+          <p:cNvPr id="14" name="Left-Right Arrow 13"/>
+          <p:cNvSpPr/>
+          <p:nvPr/>
+        </p:nvSpPr>
+        <p:spPr>
+          <a:xfrm rot="19532821">
+            <a:off x="5869876" y="4710637"/>
+            <a:ext cx="694821" cy="353050"/>
+          </a:xfrm>
+          <a:prstGeom prst="leftRightArrow">
+            <a:avLst/>
+          </a:prstGeom>
+          <a:solidFill>
+            <a:schemeClr val="tx1"/>
+          </a:solidFill>
+          <a:ln>
+            <a:noFill/>
+          </a:ln>
+          <a:effectLst/>
+        </p:spPr>
+        <p:style>
+          <a:lnRef idx="1">
+            <a:schemeClr val="accent1"/>
+          </a:lnRef>
+          <a:fillRef idx="3">
+            <a:schemeClr val="accent1"/>
+          </a:fillRef>
+          <a:effectRef idx="2">
+            <a:schemeClr val="accent1"/>
+          </a:effectRef>
+          <a:fontRef idx="minor">
+            <a:schemeClr val="lt1"/>
+          </a:fontRef>
+        </p:style>
+        <p:txBody>
+          <a:bodyPr rtlCol="0" anchor="ctr"/>
+          <a:lstStyle/>
+          <a:p>
+            <a:pPr algn="ctr"/>
+            <a:endParaRPr lang="en-US"/>
+          </a:p>
+        </p:txBody>
+      </p:sp>
+      <p:sp>
+        <p:nvSpPr>
+          <p:cNvPr id="15" name="Left-Right Arrow 14"/>
+          <p:cNvSpPr/>
+          <p:nvPr/>
+        </p:nvSpPr>
+        <p:spPr>
+          <a:xfrm rot="16200000">
+            <a:off x="3789091" y="3788082"/>
+            <a:ext cx="2054088" cy="353050"/>
+          </a:xfrm>
+          <a:prstGeom prst="leftRightArrow">
+            <a:avLst/>
+          </a:prstGeom>
+          <a:solidFill>
+            <a:schemeClr val="tx1"/>
+          </a:solidFill>
+          <a:ln>
+            <a:noFill/>
+          </a:ln>
+          <a:effectLst/>
+        </p:spPr>
+        <p:style>
+          <a:lnRef idx="1">
+            <a:schemeClr val="accent1"/>
+          </a:lnRef>
+          <a:fillRef idx="3">
+            <a:schemeClr val="accent1"/>
+          </a:fillRef>
+          <a:effectRef idx="2">
+            <a:schemeClr val="accent1"/>
+          </a:effectRef>
+          <a:fontRef idx="minor">
+            <a:schemeClr val="lt1"/>
+          </a:fontRef>
+        </p:style>
+        <p:txBody>
+          <a:bodyPr rtlCol="0" anchor="ctr"/>
+          <a:lstStyle/>
+          <a:p>
+            <a:pPr algn="ctr"/>
+            <a:endParaRPr lang="en-US"/>
+          </a:p>
+        </p:txBody>
+      </p:sp>
+    </p:spTree>
+    <p:extLst>
+      <p:ext uri="{BB962C8B-B14F-4D97-AF65-F5344CB8AC3E}">
+        <p14:creationId xmlns:p14="http://schemas.microsoft.com/office/powerpoint/2010/main" val="587470355"/>
+      </p:ext>
+    </p:extLst>
+  </p:cSld>
+  <p:clrMapOvr>
+    <a:masterClrMapping/>
+  </p:clrMapOvr>
+  <p:timing>
+    <p:tnLst>
+      <p:par>
+        <p:cTn xmlns:p14="http://schemas.microsoft.com/office/powerpoint/2010/main" id="1" dur="indefinite" restart="never" nodeType="tmRoot">
+          <p:childTnLst>
+            <p:seq concurrent="1" nextAc="seek">
+              <p:cTn id="2" dur="indefinite" nodeType="mainSeq">
+                <p:childTnLst>
+                  <p:par>
+                    <p:cTn id="3" fill="hold">
+                      <p:stCondLst>
+                        <p:cond delay="indefinite"/>
+                      </p:stCondLst>
+                      <p:childTnLst>
+                        <p:par>
+                          <p:cTn id="4" fill="hold">
+                            <p:stCondLst>
+                              <p:cond delay="0"/>
+                            </p:stCondLst>
+                            <p:childTnLst>
+                              <p:par>
+                                <p:cTn id="5" presetID="1" presetClass="entr" presetSubtype="0" fill="hold" grpId="0" nodeType="clickEffect">
+                                  <p:stCondLst>
+                                    <p:cond delay="0"/>
+                                  </p:stCondLst>
+                                  <p:childTnLst>
+                                    <p:set>
+                                      <p:cBhvr>
+                                        <p:cTn id="6" dur="1" fill="hold">
+                                          <p:stCondLst>
+                                            <p:cond delay="0"/>
+                                          </p:stCondLst>
+                                        </p:cTn>
+                                        <p:tgtEl>
+                                          <p:spTgt spid="4"/>
+                                        </p:tgtEl>
+                                        <p:attrNameLst>
+                                          <p:attrName>style.visibility</p:attrName>
+                                        </p:attrNameLst>
+                                      </p:cBhvr>
+                                      <p:to>
+                                        <p:strVal val="visible"/>
+                                      </p:to>
+                                    </p:set>
+                                  </p:childTnLst>
+                                </p:cTn>
+                              </p:par>
+                              <p:par>
+                                <p:cTn id="7" presetID="1" presetClass="entr" presetSubtype="0" fill="hold" grpId="0" nodeType="withEffect">
+                                  <p:stCondLst>
+                                    <p:cond delay="0"/>
+                                  </p:stCondLst>
+                                  <p:childTnLst>
+                                    <p:set>
+                                      <p:cBhvr>
+                                        <p:cTn id="8" dur="1" fill="hold">
+                                          <p:stCondLst>
+                                            <p:cond delay="0"/>
+                                          </p:stCondLst>
+                                        </p:cTn>
+                                        <p:tgtEl>
+                                          <p:spTgt spid="12"/>
+                                        </p:tgtEl>
+                                        <p:attrNameLst>
+                                          <p:attrName>style.visibility</p:attrName>
+                                        </p:attrNameLst>
+                                      </p:cBhvr>
+                                      <p:to>
+                                        <p:strVal val="visible"/>
+                                      </p:to>
+                                    </p:set>
+                                  </p:childTnLst>
+                                </p:cTn>
+                              </p:par>
+                            </p:childTnLst>
+                          </p:cTn>
+                        </p:par>
+                      </p:childTnLst>
+                    </p:cTn>
+                  </p:par>
+                  <p:par>
+                    <p:cTn id="9" fill="hold">
+                      <p:stCondLst>
+                        <p:cond delay="indefinite"/>
+                      </p:stCondLst>
+                      <p:childTnLst>
+                        <p:par>
+                          <p:cTn id="10" fill="hold">
+                            <p:stCondLst>
+                              <p:cond delay="0"/>
+                            </p:stCondLst>
+                            <p:childTnLst>
+                              <p:par>
+                                <p:cTn id="11" presetID="1" presetClass="entr" presetSubtype="0" fill="hold" grpId="0" nodeType="clickEffect">
+                                  <p:stCondLst>
+                                    <p:cond delay="0"/>
+                                  </p:stCondLst>
+                                  <p:childTnLst>
+                                    <p:set>
+                                      <p:cBhvr>
+                                        <p:cTn id="12" dur="1" fill="hold">
+                                          <p:stCondLst>
+                                            <p:cond delay="0"/>
+                                          </p:stCondLst>
+                                        </p:cTn>
+                                        <p:tgtEl>
+                                          <p:spTgt spid="3"/>
+                                        </p:tgtEl>
+                                        <p:attrNameLst>
+                                          <p:attrName>style.visibility</p:attrName>
+                                        </p:attrNameLst>
+                                      </p:cBhvr>
+                                      <p:to>
+                                        <p:strVal val="visible"/>
+                                      </p:to>
+                                    </p:set>
+                                  </p:childTnLst>
+                                </p:cTn>
+                              </p:par>
+                              <p:par>
+                                <p:cTn id="13" presetID="1" presetClass="entr" presetSubtype="0" fill="hold" grpId="0" nodeType="withEffect">
+                                  <p:stCondLst>
+                                    <p:cond delay="0"/>
+                                  </p:stCondLst>
+                                  <p:childTnLst>
+                                    <p:set>
+                                      <p:cBhvr>
+                                        <p:cTn id="14" dur="1" fill="hold">
+                                          <p:stCondLst>
+                                            <p:cond delay="0"/>
+                                          </p:stCondLst>
+                                        </p:cTn>
+                                        <p:tgtEl>
+                                          <p:spTgt spid="11"/>
+                                        </p:tgtEl>
+                                        <p:attrNameLst>
+                                          <p:attrName>style.visibility</p:attrName>
+                                        </p:attrNameLst>
+                                      </p:cBhvr>
+                                      <p:to>
+                                        <p:strVal val="visible"/>
+                                      </p:to>
+                                    </p:set>
+                                  </p:childTnLst>
+                                </p:cTn>
+                              </p:par>
+                              <p:par>
+                                <p:cTn id="15" presetID="1" presetClass="entr" presetSubtype="0" fill="hold" grpId="0" nodeType="withEffect">
+                                  <p:stCondLst>
+                                    <p:cond delay="0"/>
+                                  </p:stCondLst>
+                                  <p:childTnLst>
+                                    <p:set>
+                                      <p:cBhvr>
+                                        <p:cTn id="16" dur="1" fill="hold">
+                                          <p:stCondLst>
+                                            <p:cond delay="0"/>
+                                          </p:stCondLst>
+                                        </p:cTn>
+                                        <p:tgtEl>
+                                          <p:spTgt spid="15"/>
+                                        </p:tgtEl>
+                                        <p:attrNameLst>
+                                          <p:attrName>style.visibility</p:attrName>
+                                        </p:attrNameLst>
+                                      </p:cBhvr>
+                                      <p:to>
+                                        <p:strVal val="visible"/>
+                                      </p:to>
+                                    </p:set>
+                                  </p:childTnLst>
+                                </p:cTn>
+                              </p:par>
+                            </p:childTnLst>
+                          </p:cTn>
+                        </p:par>
+                      </p:childTnLst>
+                    </p:cTn>
+                  </p:par>
+                  <p:par>
+                    <p:cTn id="17" fill="hold">
+                      <p:stCondLst>
+                        <p:cond delay="indefinite"/>
+                      </p:stCondLst>
+                      <p:childTnLst>
+                        <p:par>
+                          <p:cTn id="18" fill="hold">
+                            <p:stCondLst>
+                              <p:cond delay="0"/>
+                            </p:stCondLst>
+                            <p:childTnLst>
+                              <p:par>
+                                <p:cTn id="19" presetID="1" presetClass="entr" presetSubtype="0" fill="hold" grpId="0" nodeType="clickEffect">
+                                  <p:stCondLst>
+                                    <p:cond delay="0"/>
+                                  </p:stCondLst>
+                                  <p:childTnLst>
+                                    <p:set>
+                                      <p:cBhvr>
+                                        <p:cTn id="20" dur="1" fill="hold">
+                                          <p:stCondLst>
+                                            <p:cond delay="0"/>
+                                          </p:stCondLst>
+                                        </p:cTn>
+                                        <p:tgtEl>
+                                          <p:spTgt spid="13"/>
+                                        </p:tgtEl>
+                                        <p:attrNameLst>
+                                          <p:attrName>style.visibility</p:attrName>
+                                        </p:attrNameLst>
+                                      </p:cBhvr>
+                                      <p:to>
+                                        <p:strVal val="visible"/>
+                                      </p:to>
+                                    </p:set>
+                                  </p:childTnLst>
+                                </p:cTn>
+                              </p:par>
+                              <p:par>
+                                <p:cTn id="21" presetID="1" presetClass="entr" presetSubtype="0" fill="hold" grpId="0" nodeType="withEffect">
+                                  <p:stCondLst>
+                                    <p:cond delay="0"/>
+                                  </p:stCondLst>
+                                  <p:childTnLst>
+                                    <p:set>
+                                      <p:cBhvr>
+                                        <p:cTn id="22" dur="1" fill="hold">
+                                          <p:stCondLst>
+                                            <p:cond delay="0"/>
+                                          </p:stCondLst>
+                                        </p:cTn>
+                                        <p:tgtEl>
+                                          <p:spTgt spid="14"/>
+                                        </p:tgtEl>
+                                        <p:attrNameLst>
+                                          <p:attrName>style.visibility</p:attrName>
+                                        </p:attrNameLst>
+                                      </p:cBhvr>
+                                      <p:to>
+                                        <p:strVal val="visible"/>
+                                      </p:to>
+                                    </p:set>
+                                  </p:childTnLst>
+                                </p:cTn>
+                              </p:par>
+                              <p:par>
+                                <p:cTn id="23" presetID="1" presetClass="entr" presetSubtype="0" fill="hold" grpId="0" nodeType="withEffect">
+                                  <p:stCondLst>
+                                    <p:cond delay="0"/>
+                                  </p:stCondLst>
+                                  <p:childTnLst>
+                                    <p:set>
+                                      <p:cBhvr>
+                                        <p:cTn id="24" dur="1" fill="hold">
+                                          <p:stCondLst>
+                                            <p:cond delay="0"/>
+                                          </p:stCondLst>
+                                        </p:cTn>
+                                        <p:tgtEl>
+                                          <p:spTgt spid="6"/>
+                                        </p:tgtEl>
+                                        <p:attrNameLst>
+                                          <p:attrName>style.visibility</p:attrName>
+                                        </p:attrNameLst>
+                                      </p:cBhvr>
+                                      <p:to>
+                                        <p:strVal val="visible"/>
+                                      </p:to>
+                                    </p:set>
+                                  </p:childTnLst>
+                                </p:cTn>
+                              </p:par>
+                            </p:childTnLst>
+                          </p:cTn>
+                        </p:par>
+                      </p:childTnLst>
+                    </p:cTn>
+                  </p:par>
+                </p:childTnLst>
+              </p:cTn>
+              <p:prevCondLst>
+                <p:cond evt="onPrev" delay="0">
+                  <p:tgtEl>
+                    <p:sldTgt/>
+                  </p:tgtEl>
+                </p:cond>
+              </p:prevCondLst>
+              <p:nextCondLst>
+                <p:cond evt="onNext" delay="0">
+                  <p:tgtEl>
+                    <p:sldTgt/>
+                  </p:tgtEl>
+                </p:cond>
+              </p:nextCondLst>
+            </p:seq>
+          </p:childTnLst>
+        </p:cTn>
+      </p:par>
+    </p:tnLst>
+    <p:bldLst>
+      <p:bldP spid="3" grpId="0" animBg="1"/>
+      <p:bldP spid="4" grpId="0" animBg="1"/>
+      <p:bldP spid="6" grpId="0" animBg="1"/>
+      <p:bldP spid="11" grpId="0" animBg="1"/>
+      <p:bldP spid="12" grpId="0" animBg="1"/>
+      <p:bldP spid="13" grpId="0" animBg="1"/>
+      <p:bldP spid="14" grpId="0" animBg="1"/>
+      <p:bldP spid="15" grpId="0" animBg="1"/>
+    </p:bldLst>
+  </p:timing>
+</p:sld>
+</file>
+
+<file path=ppt/slides/slide15.xml><?xml version="1.0" encoding="utf-8"?>
 <p:sld xmlns:a="http://schemas.openxmlformats.org/drawingml/2006/main" xmlns:r="http://schemas.openxmlformats.org/officeDocument/2006/relationships" xmlns:p="http://schemas.openxmlformats.org/presentationml/2006/main">
   <p:cSld>
     <p:spTree>
@@ -7520,14 +7681,172 @@
   <p:timing>
     <p:tnLst>
       <p:par>
-        <p:cTn xmlns:p14="http://schemas.microsoft.com/office/powerpoint/2010/main" id="1" dur="indefinite" restart="never" nodeType="tmRoot"/>
+        <p:cTn xmlns:p14="http://schemas.microsoft.com/office/powerpoint/2010/main" id="1" dur="indefinite" restart="never" nodeType="tmRoot">
+          <p:childTnLst>
+            <p:seq concurrent="1" nextAc="seek">
+              <p:cTn id="2" dur="indefinite" nodeType="mainSeq">
+                <p:childTnLst>
+                  <p:par>
+                    <p:cTn id="3" fill="hold">
+                      <p:stCondLst>
+                        <p:cond delay="indefinite"/>
+                      </p:stCondLst>
+                      <p:childTnLst>
+                        <p:par>
+                          <p:cTn id="4" fill="hold">
+                            <p:stCondLst>
+                              <p:cond delay="0"/>
+                            </p:stCondLst>
+                            <p:childTnLst>
+                              <p:par>
+                                <p:cTn id="5" presetID="1" presetClass="entr" presetSubtype="0" fill="hold" nodeType="clickEffect">
+                                  <p:stCondLst>
+                                    <p:cond delay="0"/>
+                                  </p:stCondLst>
+                                  <p:childTnLst>
+                                    <p:set>
+                                      <p:cBhvr>
+                                        <p:cTn id="6" dur="1" fill="hold">
+                                          <p:stCondLst>
+                                            <p:cond delay="0"/>
+                                          </p:stCondLst>
+                                        </p:cTn>
+                                        <p:tgtEl>
+                                          <p:spTgt spid="4"/>
+                                        </p:tgtEl>
+                                        <p:attrNameLst>
+                                          <p:attrName>style.visibility</p:attrName>
+                                        </p:attrNameLst>
+                                      </p:cBhvr>
+                                      <p:to>
+                                        <p:strVal val="visible"/>
+                                      </p:to>
+                                    </p:set>
+                                  </p:childTnLst>
+                                </p:cTn>
+                              </p:par>
+                            </p:childTnLst>
+                          </p:cTn>
+                        </p:par>
+                      </p:childTnLst>
+                    </p:cTn>
+                  </p:par>
+                  <p:par>
+                    <p:cTn id="7" fill="hold">
+                      <p:stCondLst>
+                        <p:cond delay="indefinite"/>
+                      </p:stCondLst>
+                      <p:childTnLst>
+                        <p:par>
+                          <p:cTn id="8" fill="hold">
+                            <p:stCondLst>
+                              <p:cond delay="0"/>
+                            </p:stCondLst>
+                            <p:childTnLst>
+                              <p:par>
+                                <p:cTn id="9" presetID="1" presetClass="entr" presetSubtype="0" fill="hold" nodeType="clickEffect">
+                                  <p:stCondLst>
+                                    <p:cond delay="0"/>
+                                  </p:stCondLst>
+                                  <p:childTnLst>
+                                    <p:set>
+                                      <p:cBhvr>
+                                        <p:cTn id="10" dur="1" fill="hold">
+                                          <p:stCondLst>
+                                            <p:cond delay="0"/>
+                                          </p:stCondLst>
+                                        </p:cTn>
+                                        <p:tgtEl>
+                                          <p:spTgt spid="5"/>
+                                        </p:tgtEl>
+                                        <p:attrNameLst>
+                                          <p:attrName>style.visibility</p:attrName>
+                                        </p:attrNameLst>
+                                      </p:cBhvr>
+                                      <p:to>
+                                        <p:strVal val="visible"/>
+                                      </p:to>
+                                    </p:set>
+                                  </p:childTnLst>
+                                </p:cTn>
+                              </p:par>
+                            </p:childTnLst>
+                          </p:cTn>
+                        </p:par>
+                      </p:childTnLst>
+                    </p:cTn>
+                  </p:par>
+                  <p:par>
+                    <p:cTn id="11" fill="hold">
+                      <p:stCondLst>
+                        <p:cond delay="indefinite"/>
+                      </p:stCondLst>
+                      <p:childTnLst>
+                        <p:par>
+                          <p:cTn id="12" fill="hold">
+                            <p:stCondLst>
+                              <p:cond delay="0"/>
+                            </p:stCondLst>
+                            <p:childTnLst>
+                              <p:par>
+                                <p:cTn id="13" presetID="1" presetClass="entr" presetSubtype="0" fill="hold" nodeType="clickEffect">
+                                  <p:stCondLst>
+                                    <p:cond delay="0"/>
+                                  </p:stCondLst>
+                                  <p:childTnLst>
+                                    <p:set>
+                                      <p:cBhvr>
+                                        <p:cTn id="14" dur="1" fill="hold">
+                                          <p:stCondLst>
+                                            <p:cond delay="0"/>
+                                          </p:stCondLst>
+                                        </p:cTn>
+                                        <p:tgtEl>
+                                          <p:spTgt spid="6"/>
+                                        </p:tgtEl>
+                                        <p:attrNameLst>
+                                          <p:attrName>style.visibility</p:attrName>
+                                        </p:attrNameLst>
+                                      </p:cBhvr>
+                                      <p:to>
+                                        <p:strVal val="visible"/>
+                                      </p:to>
+                                    </p:set>
+                                  </p:childTnLst>
+                                </p:cTn>
+                              </p:par>
+                            </p:childTnLst>
+                          </p:cTn>
+                        </p:par>
+                      </p:childTnLst>
+                    </p:cTn>
+                  </p:par>
+                </p:childTnLst>
+              </p:cTn>
+              <p:prevCondLst>
+                <p:cond evt="onPrev" delay="0">
+                  <p:tgtEl>
+                    <p:sldTgt/>
+                  </p:tgtEl>
+                </p:cond>
+              </p:prevCondLst>
+              <p:nextCondLst>
+                <p:cond evt="onNext" delay="0">
+                  <p:tgtEl>
+                    <p:sldTgt/>
+                  </p:tgtEl>
+                </p:cond>
+              </p:nextCondLst>
+            </p:seq>
+          </p:childTnLst>
+        </p:cTn>
       </p:par>
     </p:tnLst>
   </p:timing>
 </p:sld>
 </file>
 
-<file path=ppt/slides/slide14.xml><?xml version="1.0" encoding="utf-8"?>
+<file path=ppt/slides/slide16.xml><?xml version="1.0" encoding="utf-8"?>
 <p:sld xmlns:a="http://schemas.openxmlformats.org/drawingml/2006/main" xmlns:r="http://schemas.openxmlformats.org/officeDocument/2006/relationships" xmlns:p="http://schemas.openxmlformats.org/presentationml/2006/main">
   <p:cSld>
     <p:spTree>
@@ -7594,6 +7913,529 @@
     <p:extLst>
       <p:ext uri="{BB962C8B-B14F-4D97-AF65-F5344CB8AC3E}">
         <p14:creationId xmlns:p14="http://schemas.microsoft.com/office/powerpoint/2010/main" val="3203364162"/>
+      </p:ext>
+    </p:extLst>
+  </p:cSld>
+  <p:clrMapOvr>
+    <a:masterClrMapping/>
+  </p:clrMapOvr>
+  <p:timing>
+    <p:tnLst>
+      <p:par>
+        <p:cTn xmlns:p14="http://schemas.microsoft.com/office/powerpoint/2010/main" id="1" dur="indefinite" restart="never" nodeType="tmRoot"/>
+      </p:par>
+    </p:tnLst>
+  </p:timing>
+</p:sld>
+</file>
+
+<file path=ppt/slides/slide17.xml><?xml version="1.0" encoding="utf-8"?>
+<p:sld xmlns:a="http://schemas.openxmlformats.org/drawingml/2006/main" xmlns:r="http://schemas.openxmlformats.org/officeDocument/2006/relationships" xmlns:p="http://schemas.openxmlformats.org/presentationml/2006/main">
+  <p:cSld>
+    <p:spTree>
+      <p:nvGrpSpPr>
+        <p:cNvPr id="1" name=""/>
+        <p:cNvGrpSpPr/>
+        <p:nvPr/>
+      </p:nvGrpSpPr>
+      <p:grpSpPr>
+        <a:xfrm>
+          <a:off x="0" y="0"/>
+          <a:ext cx="0" cy="0"/>
+          <a:chOff x="0" y="0"/>
+          <a:chExt cx="0" cy="0"/>
+        </a:xfrm>
+      </p:grpSpPr>
+      <p:sp>
+        <p:nvSpPr>
+          <p:cNvPr id="4" name="TextBox 3"/>
+          <p:cNvSpPr txBox="1"/>
+          <p:nvPr/>
+        </p:nvSpPr>
+        <p:spPr>
+          <a:xfrm>
+            <a:off x="1658349" y="1807556"/>
+            <a:ext cx="5829129" cy="3972882"/>
+          </a:xfrm>
+          <a:prstGeom prst="rect">
+            <a:avLst/>
+          </a:prstGeom>
+          <a:noFill/>
+        </p:spPr>
+        <p:txBody>
+          <a:bodyPr wrap="square" rtlCol="0">
+            <a:spAutoFit/>
+          </a:bodyPr>
+          <a:lstStyle/>
+          <a:p>
+            <a:pPr marL="742950" indent="-742950">
+              <a:lnSpc>
+                <a:spcPct val="150000"/>
+              </a:lnSpc>
+              <a:buFont typeface="+mj-lt"/>
+              <a:buAutoNum type="arabicPeriod"/>
+            </a:pPr>
+            <a:r>
+              <a:rPr lang="en-US" sz="3400" dirty="0" smtClean="0"/>
+              <a:t>Lighten server load</a:t>
+            </a:r>
+          </a:p>
+          <a:p>
+            <a:pPr marL="742950" indent="-742950">
+              <a:lnSpc>
+                <a:spcPct val="150000"/>
+              </a:lnSpc>
+              <a:buFont typeface="+mj-lt"/>
+              <a:buAutoNum type="arabicPeriod"/>
+            </a:pPr>
+            <a:r>
+              <a:rPr lang="en-US" sz="3400" dirty="0" smtClean="0"/>
+              <a:t>Increase bandwidth</a:t>
+            </a:r>
+          </a:p>
+          <a:p>
+            <a:pPr marL="742950" indent="-742950">
+              <a:lnSpc>
+                <a:spcPct val="150000"/>
+              </a:lnSpc>
+              <a:buFont typeface="+mj-lt"/>
+              <a:buAutoNum type="arabicPeriod"/>
+            </a:pPr>
+            <a:r>
+              <a:rPr lang="en-US" sz="3400" dirty="0" smtClean="0"/>
+              <a:t>Free</a:t>
+            </a:r>
+          </a:p>
+          <a:p>
+            <a:pPr marL="742950" indent="-742950">
+              <a:lnSpc>
+                <a:spcPct val="150000"/>
+              </a:lnSpc>
+              <a:buFont typeface="+mj-lt"/>
+              <a:buAutoNum type="arabicPeriod"/>
+            </a:pPr>
+            <a:r>
+              <a:rPr lang="en-US" sz="3400" dirty="0" smtClean="0"/>
+              <a:t>Lightweight</a:t>
+            </a:r>
+          </a:p>
+          <a:p>
+            <a:pPr marL="742950" indent="-742950">
+              <a:lnSpc>
+                <a:spcPct val="150000"/>
+              </a:lnSpc>
+              <a:buFont typeface="+mj-lt"/>
+              <a:buAutoNum type="arabicPeriod"/>
+            </a:pPr>
+            <a:r>
+              <a:rPr lang="en-US" sz="3400" dirty="0" smtClean="0"/>
+              <a:t>Transparent &amp; Open Source</a:t>
+            </a:r>
+          </a:p>
+        </p:txBody>
+      </p:sp>
+      <p:sp>
+        <p:nvSpPr>
+          <p:cNvPr id="5" name="Title 1"/>
+          <p:cNvSpPr txBox="1">
+            <a:spLocks/>
+          </p:cNvSpPr>
+          <p:nvPr/>
+        </p:nvSpPr>
+        <p:spPr>
+          <a:xfrm>
+            <a:off x="685800" y="973143"/>
+            <a:ext cx="7772400" cy="895488"/>
+          </a:xfrm>
+          <a:prstGeom prst="rect">
+            <a:avLst/>
+          </a:prstGeom>
+        </p:spPr>
+        <p:txBody>
+          <a:bodyPr/>
+          <a:lstStyle>
+            <a:lvl1pPr algn="ctr" defTabSz="457200" rtl="0" eaLnBrk="1" latinLnBrk="0" hangingPunct="1">
+              <a:spcBef>
+                <a:spcPct val="0"/>
+              </a:spcBef>
+              <a:buNone/>
+              <a:defRPr sz="4400" kern="1200">
+                <a:solidFill>
+                  <a:schemeClr val="tx1"/>
+                </a:solidFill>
+                <a:latin typeface="+mj-lt"/>
+                <a:ea typeface="+mj-ea"/>
+                <a:cs typeface="+mj-cs"/>
+              </a:defRPr>
+            </a:lvl1pPr>
+          </a:lstStyle>
+          <a:p>
+            <a:r>
+              <a:rPr lang="en-US" b="1" dirty="0" smtClean="0"/>
+              <a:t>Benefits</a:t>
+            </a:r>
+            <a:endParaRPr lang="en-US" b="1" dirty="0"/>
+          </a:p>
+        </p:txBody>
+      </p:sp>
+    </p:spTree>
+    <p:extLst>
+      <p:ext uri="{BB962C8B-B14F-4D97-AF65-F5344CB8AC3E}">
+        <p14:creationId xmlns:p14="http://schemas.microsoft.com/office/powerpoint/2010/main" val="157142573"/>
+      </p:ext>
+    </p:extLst>
+  </p:cSld>
+  <p:clrMapOvr>
+    <a:masterClrMapping/>
+  </p:clrMapOvr>
+  <p:timing>
+    <p:tnLst>
+      <p:par>
+        <p:cTn xmlns:p14="http://schemas.microsoft.com/office/powerpoint/2010/main" id="1" dur="indefinite" restart="never" nodeType="tmRoot">
+          <p:childTnLst>
+            <p:seq concurrent="1" nextAc="seek">
+              <p:cTn id="2" dur="indefinite" nodeType="mainSeq">
+                <p:childTnLst>
+                  <p:par>
+                    <p:cTn id="3" fill="hold">
+                      <p:stCondLst>
+                        <p:cond delay="indefinite"/>
+                      </p:stCondLst>
+                      <p:childTnLst>
+                        <p:par>
+                          <p:cTn id="4" fill="hold">
+                            <p:stCondLst>
+                              <p:cond delay="0"/>
+                            </p:stCondLst>
+                            <p:childTnLst>
+                              <p:par>
+                                <p:cTn id="5" presetID="1" presetClass="entr" presetSubtype="0" fill="hold" grpId="0" nodeType="clickEffect">
+                                  <p:stCondLst>
+                                    <p:cond delay="0"/>
+                                  </p:stCondLst>
+                                  <p:childTnLst>
+                                    <p:set>
+                                      <p:cBhvr>
+                                        <p:cTn id="6" dur="1" fill="hold">
+                                          <p:stCondLst>
+                                            <p:cond delay="0"/>
+                                          </p:stCondLst>
+                                        </p:cTn>
+                                        <p:tgtEl>
+                                          <p:spTgt spid="4">
+                                            <p:txEl>
+                                              <p:pRg st="0" end="0"/>
+                                            </p:txEl>
+                                          </p:spTgt>
+                                        </p:tgtEl>
+                                        <p:attrNameLst>
+                                          <p:attrName>style.visibility</p:attrName>
+                                        </p:attrNameLst>
+                                      </p:cBhvr>
+                                      <p:to>
+                                        <p:strVal val="visible"/>
+                                      </p:to>
+                                    </p:set>
+                                  </p:childTnLst>
+                                </p:cTn>
+                              </p:par>
+                            </p:childTnLst>
+                          </p:cTn>
+                        </p:par>
+                      </p:childTnLst>
+                    </p:cTn>
+                  </p:par>
+                  <p:par>
+                    <p:cTn id="7" fill="hold">
+                      <p:stCondLst>
+                        <p:cond delay="indefinite"/>
+                      </p:stCondLst>
+                      <p:childTnLst>
+                        <p:par>
+                          <p:cTn id="8" fill="hold">
+                            <p:stCondLst>
+                              <p:cond delay="0"/>
+                            </p:stCondLst>
+                            <p:childTnLst>
+                              <p:par>
+                                <p:cTn id="9" presetID="1" presetClass="entr" presetSubtype="0" fill="hold" grpId="0" nodeType="clickEffect">
+                                  <p:stCondLst>
+                                    <p:cond delay="0"/>
+                                  </p:stCondLst>
+                                  <p:childTnLst>
+                                    <p:set>
+                                      <p:cBhvr>
+                                        <p:cTn id="10" dur="1" fill="hold">
+                                          <p:stCondLst>
+                                            <p:cond delay="0"/>
+                                          </p:stCondLst>
+                                        </p:cTn>
+                                        <p:tgtEl>
+                                          <p:spTgt spid="4">
+                                            <p:txEl>
+                                              <p:pRg st="1" end="1"/>
+                                            </p:txEl>
+                                          </p:spTgt>
+                                        </p:tgtEl>
+                                        <p:attrNameLst>
+                                          <p:attrName>style.visibility</p:attrName>
+                                        </p:attrNameLst>
+                                      </p:cBhvr>
+                                      <p:to>
+                                        <p:strVal val="visible"/>
+                                      </p:to>
+                                    </p:set>
+                                  </p:childTnLst>
+                                </p:cTn>
+                              </p:par>
+                            </p:childTnLst>
+                          </p:cTn>
+                        </p:par>
+                      </p:childTnLst>
+                    </p:cTn>
+                  </p:par>
+                  <p:par>
+                    <p:cTn id="11" fill="hold">
+                      <p:stCondLst>
+                        <p:cond delay="indefinite"/>
+                      </p:stCondLst>
+                      <p:childTnLst>
+                        <p:par>
+                          <p:cTn id="12" fill="hold">
+                            <p:stCondLst>
+                              <p:cond delay="0"/>
+                            </p:stCondLst>
+                            <p:childTnLst>
+                              <p:par>
+                                <p:cTn id="13" presetID="1" presetClass="entr" presetSubtype="0" fill="hold" grpId="0" nodeType="clickEffect">
+                                  <p:stCondLst>
+                                    <p:cond delay="0"/>
+                                  </p:stCondLst>
+                                  <p:childTnLst>
+                                    <p:set>
+                                      <p:cBhvr>
+                                        <p:cTn id="14" dur="1" fill="hold">
+                                          <p:stCondLst>
+                                            <p:cond delay="0"/>
+                                          </p:stCondLst>
+                                        </p:cTn>
+                                        <p:tgtEl>
+                                          <p:spTgt spid="4">
+                                            <p:txEl>
+                                              <p:pRg st="2" end="2"/>
+                                            </p:txEl>
+                                          </p:spTgt>
+                                        </p:tgtEl>
+                                        <p:attrNameLst>
+                                          <p:attrName>style.visibility</p:attrName>
+                                        </p:attrNameLst>
+                                      </p:cBhvr>
+                                      <p:to>
+                                        <p:strVal val="visible"/>
+                                      </p:to>
+                                    </p:set>
+                                  </p:childTnLst>
+                                </p:cTn>
+                              </p:par>
+                            </p:childTnLst>
+                          </p:cTn>
+                        </p:par>
+                      </p:childTnLst>
+                    </p:cTn>
+                  </p:par>
+                  <p:par>
+                    <p:cTn id="15" fill="hold">
+                      <p:stCondLst>
+                        <p:cond delay="indefinite"/>
+                      </p:stCondLst>
+                      <p:childTnLst>
+                        <p:par>
+                          <p:cTn id="16" fill="hold">
+                            <p:stCondLst>
+                              <p:cond delay="0"/>
+                            </p:stCondLst>
+                            <p:childTnLst>
+                              <p:par>
+                                <p:cTn id="17" presetID="1" presetClass="entr" presetSubtype="0" fill="hold" grpId="0" nodeType="clickEffect">
+                                  <p:stCondLst>
+                                    <p:cond delay="0"/>
+                                  </p:stCondLst>
+                                  <p:childTnLst>
+                                    <p:set>
+                                      <p:cBhvr>
+                                        <p:cTn id="18" dur="1" fill="hold">
+                                          <p:stCondLst>
+                                            <p:cond delay="0"/>
+                                          </p:stCondLst>
+                                        </p:cTn>
+                                        <p:tgtEl>
+                                          <p:spTgt spid="4">
+                                            <p:txEl>
+                                              <p:pRg st="3" end="3"/>
+                                            </p:txEl>
+                                          </p:spTgt>
+                                        </p:tgtEl>
+                                        <p:attrNameLst>
+                                          <p:attrName>style.visibility</p:attrName>
+                                        </p:attrNameLst>
+                                      </p:cBhvr>
+                                      <p:to>
+                                        <p:strVal val="visible"/>
+                                      </p:to>
+                                    </p:set>
+                                  </p:childTnLst>
+                                </p:cTn>
+                              </p:par>
+                            </p:childTnLst>
+                          </p:cTn>
+                        </p:par>
+                      </p:childTnLst>
+                    </p:cTn>
+                  </p:par>
+                  <p:par>
+                    <p:cTn id="19" fill="hold">
+                      <p:stCondLst>
+                        <p:cond delay="indefinite"/>
+                      </p:stCondLst>
+                      <p:childTnLst>
+                        <p:par>
+                          <p:cTn id="20" fill="hold">
+                            <p:stCondLst>
+                              <p:cond delay="0"/>
+                            </p:stCondLst>
+                            <p:childTnLst>
+                              <p:par>
+                                <p:cTn id="21" presetID="1" presetClass="entr" presetSubtype="0" fill="hold" grpId="0" nodeType="clickEffect">
+                                  <p:stCondLst>
+                                    <p:cond delay="0"/>
+                                  </p:stCondLst>
+                                  <p:childTnLst>
+                                    <p:set>
+                                      <p:cBhvr>
+                                        <p:cTn id="22" dur="1" fill="hold">
+                                          <p:stCondLst>
+                                            <p:cond delay="0"/>
+                                          </p:stCondLst>
+                                        </p:cTn>
+                                        <p:tgtEl>
+                                          <p:spTgt spid="4">
+                                            <p:txEl>
+                                              <p:pRg st="4" end="4"/>
+                                            </p:txEl>
+                                          </p:spTgt>
+                                        </p:tgtEl>
+                                        <p:attrNameLst>
+                                          <p:attrName>style.visibility</p:attrName>
+                                        </p:attrNameLst>
+                                      </p:cBhvr>
+                                      <p:to>
+                                        <p:strVal val="visible"/>
+                                      </p:to>
+                                    </p:set>
+                                  </p:childTnLst>
+                                </p:cTn>
+                              </p:par>
+                            </p:childTnLst>
+                          </p:cTn>
+                        </p:par>
+                      </p:childTnLst>
+                    </p:cTn>
+                  </p:par>
+                </p:childTnLst>
+              </p:cTn>
+              <p:prevCondLst>
+                <p:cond evt="onPrev" delay="0">
+                  <p:tgtEl>
+                    <p:sldTgt/>
+                  </p:tgtEl>
+                </p:cond>
+              </p:prevCondLst>
+              <p:nextCondLst>
+                <p:cond evt="onNext" delay="0">
+                  <p:tgtEl>
+                    <p:sldTgt/>
+                  </p:tgtEl>
+                </p:cond>
+              </p:nextCondLst>
+            </p:seq>
+          </p:childTnLst>
+        </p:cTn>
+      </p:par>
+    </p:tnLst>
+    <p:bldLst>
+      <p:bldP spid="4" grpId="0" build="p"/>
+    </p:bldLst>
+  </p:timing>
+</p:sld>
+</file>
+
+<file path=ppt/slides/slide18.xml><?xml version="1.0" encoding="utf-8"?>
+<p:sld xmlns:a="http://schemas.openxmlformats.org/drawingml/2006/main" xmlns:r="http://schemas.openxmlformats.org/officeDocument/2006/relationships" xmlns:p="http://schemas.openxmlformats.org/presentationml/2006/main">
+  <p:cSld>
+    <p:spTree>
+      <p:nvGrpSpPr>
+        <p:cNvPr id="1" name=""/>
+        <p:cNvGrpSpPr/>
+        <p:nvPr/>
+      </p:nvGrpSpPr>
+      <p:grpSpPr>
+        <a:xfrm>
+          <a:off x="0" y="0"/>
+          <a:ext cx="0" cy="0"/>
+          <a:chOff x="0" y="0"/>
+          <a:chExt cx="0" cy="0"/>
+        </a:xfrm>
+      </p:grpSpPr>
+      <p:sp>
+        <p:nvSpPr>
+          <p:cNvPr id="4" name="Title 1"/>
+          <p:cNvSpPr txBox="1">
+            <a:spLocks/>
+          </p:cNvSpPr>
+          <p:nvPr/>
+        </p:nvSpPr>
+        <p:spPr>
+          <a:xfrm>
+            <a:off x="685800" y="2693642"/>
+            <a:ext cx="7772400" cy="1470025"/>
+          </a:xfrm>
+          <a:prstGeom prst="rect">
+            <a:avLst/>
+          </a:prstGeom>
+        </p:spPr>
+        <p:txBody>
+          <a:bodyPr vert="horz" lIns="91440" tIns="45720" rIns="91440" bIns="45720" rtlCol="0" anchor="ctr">
+            <a:normAutofit/>
+          </a:bodyPr>
+          <a:lstStyle>
+            <a:lvl1pPr algn="ctr" defTabSz="457200" rtl="0" eaLnBrk="1" latinLnBrk="0" hangingPunct="1">
+              <a:spcBef>
+                <a:spcPct val="0"/>
+              </a:spcBef>
+              <a:buNone/>
+              <a:defRPr sz="4400" kern="1200">
+                <a:solidFill>
+                  <a:schemeClr val="tx1"/>
+                </a:solidFill>
+                <a:latin typeface="+mj-lt"/>
+                <a:ea typeface="+mj-ea"/>
+                <a:cs typeface="+mj-cs"/>
+              </a:defRPr>
+            </a:lvl1pPr>
+          </a:lstStyle>
+          <a:p>
+            <a:r>
+              <a:rPr lang="en-US" b="1" dirty="0" smtClean="0"/>
+              <a:t>Questions?</a:t>
+            </a:r>
+            <a:endParaRPr lang="en-US" b="1" dirty="0"/>
+          </a:p>
+        </p:txBody>
+      </p:sp>
+    </p:spTree>
+    <p:extLst>
+      <p:ext uri="{BB962C8B-B14F-4D97-AF65-F5344CB8AC3E}">
+        <p14:creationId xmlns:p14="http://schemas.microsoft.com/office/powerpoint/2010/main" val="1839057541"/>
       </p:ext>
     </p:extLst>
   </p:cSld>
@@ -8947,9 +9789,7 @@
             <a:avLst/>
           </a:prstGeom>
           <a:solidFill>
-            <a:schemeClr val="tx1">
-              <a:alpha val="71000"/>
-            </a:schemeClr>
+            <a:schemeClr val="tx1"/>
           </a:solidFill>
           <a:ln>
             <a:noFill/>
@@ -8975,7 +9815,11 @@
           <a:lstStyle/>
           <a:p>
             <a:pPr algn="ctr"/>
-            <a:endParaRPr lang="en-US"/>
+            <a:endParaRPr lang="en-US">
+              <a:solidFill>
+                <a:srgbClr val="000000"/>
+              </a:solidFill>
+            </a:endParaRPr>
           </a:p>
         </p:txBody>
       </p:sp>
@@ -8994,9 +9838,7 @@
             <a:avLst/>
           </a:prstGeom>
           <a:solidFill>
-            <a:schemeClr val="tx1">
-              <a:alpha val="71000"/>
-            </a:schemeClr>
+            <a:schemeClr val="tx1"/>
           </a:solidFill>
           <a:ln>
             <a:noFill/>
@@ -9022,7 +9864,11 @@
           <a:lstStyle/>
           <a:p>
             <a:pPr algn="ctr"/>
-            <a:endParaRPr lang="en-US"/>
+            <a:endParaRPr lang="en-US">
+              <a:solidFill>
+                <a:srgbClr val="000000"/>
+              </a:solidFill>
+            </a:endParaRPr>
           </a:p>
         </p:txBody>
       </p:sp>
@@ -9041,9 +9887,7 @@
             <a:avLst/>
           </a:prstGeom>
           <a:solidFill>
-            <a:schemeClr val="tx1">
-              <a:alpha val="71000"/>
-            </a:schemeClr>
+            <a:schemeClr val="tx1"/>
           </a:solidFill>
           <a:ln>
             <a:noFill/>
@@ -9069,7 +9913,11 @@
           <a:lstStyle/>
           <a:p>
             <a:pPr algn="ctr"/>
-            <a:endParaRPr lang="en-US"/>
+            <a:endParaRPr lang="en-US">
+              <a:solidFill>
+                <a:srgbClr val="000000"/>
+              </a:solidFill>
+            </a:endParaRPr>
           </a:p>
         </p:txBody>
       </p:sp>
@@ -9088,9 +9936,7 @@
             <a:avLst/>
           </a:prstGeom>
           <a:solidFill>
-            <a:schemeClr val="tx1">
-              <a:alpha val="71000"/>
-            </a:schemeClr>
+            <a:schemeClr val="tx1"/>
           </a:solidFill>
           <a:ln>
             <a:noFill/>
@@ -9116,7 +9962,11 @@
           <a:lstStyle/>
           <a:p>
             <a:pPr algn="ctr"/>
-            <a:endParaRPr lang="en-US"/>
+            <a:endParaRPr lang="en-US">
+              <a:solidFill>
+                <a:srgbClr val="000000"/>
+              </a:solidFill>
+            </a:endParaRPr>
           </a:p>
         </p:txBody>
       </p:sp>
@@ -9135,9 +9985,7 @@
             <a:avLst/>
           </a:prstGeom>
           <a:solidFill>
-            <a:schemeClr val="tx1">
-              <a:alpha val="71000"/>
-            </a:schemeClr>
+            <a:schemeClr val="tx1"/>
           </a:solidFill>
           <a:ln>
             <a:noFill/>
@@ -9163,7 +10011,11 @@
           <a:lstStyle/>
           <a:p>
             <a:pPr algn="ctr"/>
-            <a:endParaRPr lang="en-US"/>
+            <a:endParaRPr lang="en-US">
+              <a:solidFill>
+                <a:srgbClr val="000000"/>
+              </a:solidFill>
+            </a:endParaRPr>
           </a:p>
         </p:txBody>
       </p:sp>
@@ -9182,9 +10034,7 @@
             <a:avLst/>
           </a:prstGeom>
           <a:solidFill>
-            <a:schemeClr val="tx1">
-              <a:alpha val="71000"/>
-            </a:schemeClr>
+            <a:schemeClr val="tx1"/>
           </a:solidFill>
           <a:ln>
             <a:noFill/>
@@ -9210,7 +10060,11 @@
           <a:lstStyle/>
           <a:p>
             <a:pPr algn="ctr"/>
-            <a:endParaRPr lang="en-US"/>
+            <a:endParaRPr lang="en-US">
+              <a:solidFill>
+                <a:srgbClr val="000000"/>
+              </a:solidFill>
+            </a:endParaRPr>
           </a:p>
         </p:txBody>
       </p:sp>
@@ -10370,9 +11224,7 @@
             <a:avLst/>
           </a:prstGeom>
           <a:solidFill>
-            <a:schemeClr val="tx1">
-              <a:alpha val="71000"/>
-            </a:schemeClr>
+            <a:schemeClr val="tx1"/>
           </a:solidFill>
           <a:ln>
             <a:noFill/>
@@ -10417,9 +11269,7 @@
             <a:avLst/>
           </a:prstGeom>
           <a:solidFill>
-            <a:schemeClr val="tx1">
-              <a:alpha val="71000"/>
-            </a:schemeClr>
+            <a:schemeClr val="tx1"/>
           </a:solidFill>
           <a:ln>
             <a:noFill/>
@@ -10523,7 +11373,7 @@
         </p:nvSpPr>
         <p:spPr>
           <a:xfrm>
-            <a:off x="3216286" y="2279681"/>
+            <a:off x="3224696" y="2198274"/>
             <a:ext cx="2738784" cy="2816087"/>
           </a:xfrm>
           <a:prstGeom prst="rect">
